--- a/Exercice_3/presentation.pptx
+++ b/Exercice_3/presentation.pptx
@@ -5,19 +5,25 @@
     <p:sldMasterId id="2147483648" r:id="rId1"/>
   </p:sldMasterIdLst>
   <p:notesMasterIdLst>
-    <p:notesMasterId r:id="rId9"/>
+    <p:notesMasterId r:id="rId15"/>
   </p:notesMasterIdLst>
   <p:handoutMasterIdLst>
-    <p:handoutMasterId r:id="rId10"/>
+    <p:handoutMasterId r:id="rId16"/>
   </p:handoutMasterIdLst>
   <p:sldIdLst>
     <p:sldId id="256" r:id="rId2"/>
     <p:sldId id="257" r:id="rId3"/>
-    <p:sldId id="258" r:id="rId4"/>
-    <p:sldId id="259" r:id="rId5"/>
-    <p:sldId id="260" r:id="rId6"/>
-    <p:sldId id="261" r:id="rId7"/>
-    <p:sldId id="263" r:id="rId8"/>
+    <p:sldId id="264" r:id="rId4"/>
+    <p:sldId id="272" r:id="rId5"/>
+    <p:sldId id="265" r:id="rId6"/>
+    <p:sldId id="269" r:id="rId7"/>
+    <p:sldId id="270" r:id="rId8"/>
+    <p:sldId id="271" r:id="rId9"/>
+    <p:sldId id="266" r:id="rId10"/>
+    <p:sldId id="273" r:id="rId11"/>
+    <p:sldId id="274" r:id="rId12"/>
+    <p:sldId id="275" r:id="rId13"/>
+    <p:sldId id="276" r:id="rId14"/>
   </p:sldIdLst>
   <p:sldSz cx="10080625" cy="7559675"/>
   <p:notesSz cx="7559675" cy="10691813"/>
@@ -134,20 +140,6 @@
     </p:extLst>
   </p:cmAuthor>
 </p:cmAuthorLst>
-</file>
-
-<file path=ppt/comments/comment1.xml><?xml version="1.0" encoding="utf-8"?>
-<p:cmLst xmlns:a="http://schemas.openxmlformats.org/drawingml/2006/main" xmlns:r="http://schemas.openxmlformats.org/officeDocument/2006/relationships" xmlns:p="http://schemas.openxmlformats.org/presentationml/2006/main">
-  <p:cm authorId="1" dt="2018-04-23T07:27:43.107" idx="1">
-    <p:pos x="6032" y="1114"/>
-    <p:text/>
-    <p:extLst>
-      <p:ext uri="{C676402C-5697-4E1C-873F-D02D1690AC5C}">
-        <p15:threadingInfo xmlns:p15="http://schemas.microsoft.com/office/powerpoint/2012/main" timeZoneBias="-120"/>
-      </p:ext>
-    </p:extLst>
-  </p:cm>
-</p:cmLst>
 </file>
 
 <file path=ppt/handoutMasters/handoutMaster1.xml><?xml version="1.0" encoding="utf-8"?>
@@ -942,6 +934,486 @@
 </p:notes>
 </file>
 
+<file path=ppt/notesSlides/notesSlide10.xml><?xml version="1.0" encoding="utf-8"?>
+<p:notes xmlns:a="http://schemas.openxmlformats.org/drawingml/2006/main" xmlns:r="http://schemas.openxmlformats.org/officeDocument/2006/relationships" xmlns:p="http://schemas.openxmlformats.org/presentationml/2006/main">
+  <p:cSld>
+    <p:spTree>
+      <p:nvGrpSpPr>
+        <p:cNvPr id="1" name=""/>
+        <p:cNvGrpSpPr/>
+        <p:nvPr/>
+      </p:nvGrpSpPr>
+      <p:grpSpPr>
+        <a:xfrm>
+          <a:off x="0" y="0"/>
+          <a:ext cx="0" cy="0"/>
+          <a:chOff x="0" y="0"/>
+          <a:chExt cx="0" cy="0"/>
+        </a:xfrm>
+      </p:grpSpPr>
+      <p:sp>
+        <p:nvSpPr>
+          <p:cNvPr id="7" name="Foliennummernplatzhalter 6">
+            <a:extLst>
+              <a:ext uri="{FF2B5EF4-FFF2-40B4-BE49-F238E27FC236}">
+                <a16:creationId xmlns:a16="http://schemas.microsoft.com/office/drawing/2014/main" id="{44EC89B4-CA93-4D45-839B-2A01018E3B97}"/>
+              </a:ext>
+            </a:extLst>
+          </p:cNvPr>
+          <p:cNvSpPr txBox="1">
+            <a:spLocks noGrp="1"/>
+          </p:cNvSpPr>
+          <p:nvPr>
+            <p:ph type="sldNum" sz="quarter" idx="5"/>
+          </p:nvPr>
+        </p:nvSpPr>
+        <p:spPr>
+          <a:ln/>
+        </p:spPr>
+        <p:txBody>
+          <a:bodyPr lIns="0" tIns="0" rIns="0" bIns="0" anchor="b" anchorCtr="0">
+            <a:noAutofit/>
+          </a:bodyPr>
+          <a:lstStyle/>
+          <a:p>
+            <a:pPr lvl="0"/>
+            <a:fld id="{3C8E01BB-7E90-4F3B-A1BE-2874FDDB04D8}" type="slidenum">
+              <a:t>10</a:t>
+            </a:fld>
+            <a:endParaRPr lang="en-US"/>
+          </a:p>
+        </p:txBody>
+      </p:sp>
+      <p:sp>
+        <p:nvSpPr>
+          <p:cNvPr id="2" name="Folienbildplatzhalter 1">
+            <a:extLst>
+              <a:ext uri="{FF2B5EF4-FFF2-40B4-BE49-F238E27FC236}">
+                <a16:creationId xmlns:a16="http://schemas.microsoft.com/office/drawing/2014/main" id="{529499F4-C569-4871-B59C-750229A96602}"/>
+              </a:ext>
+            </a:extLst>
+          </p:cNvPr>
+          <p:cNvSpPr>
+            <a:spLocks noGrp="1" noRot="1" noChangeAspect="1" noResize="1"/>
+          </p:cNvSpPr>
+          <p:nvPr>
+            <p:ph type="sldImg"/>
+          </p:nvPr>
+        </p:nvSpPr>
+        <p:spPr>
+          <a:xfrm>
+            <a:off x="1106488" y="812800"/>
+            <a:ext cx="5345112" cy="4008438"/>
+          </a:xfrm>
+          <a:solidFill>
+            <a:srgbClr val="729FCF"/>
+          </a:solidFill>
+          <a:ln w="25400">
+            <a:solidFill>
+              <a:srgbClr val="3465A4"/>
+            </a:solidFill>
+            <a:prstDash val="solid"/>
+          </a:ln>
+        </p:spPr>
+      </p:sp>
+      <p:sp>
+        <p:nvSpPr>
+          <p:cNvPr id="3" name="Notizenplatzhalter 2">
+            <a:extLst>
+              <a:ext uri="{FF2B5EF4-FFF2-40B4-BE49-F238E27FC236}">
+                <a16:creationId xmlns:a16="http://schemas.microsoft.com/office/drawing/2014/main" id="{81E7C8BE-B1CF-48F2-9BC3-AC9AA709A482}"/>
+              </a:ext>
+            </a:extLst>
+          </p:cNvPr>
+          <p:cNvSpPr txBox="1">
+            <a:spLocks noGrp="1"/>
+          </p:cNvSpPr>
+          <p:nvPr>
+            <p:ph type="body" sz="quarter" idx="1"/>
+          </p:nvPr>
+        </p:nvSpPr>
+        <p:spPr/>
+        <p:txBody>
+          <a:bodyPr/>
+          <a:lstStyle/>
+          <a:p>
+            <a:endParaRPr lang="en-US"/>
+          </a:p>
+        </p:txBody>
+      </p:sp>
+    </p:spTree>
+    <p:extLst>
+      <p:ext uri="{BB962C8B-B14F-4D97-AF65-F5344CB8AC3E}">
+        <p14:creationId xmlns:p14="http://schemas.microsoft.com/office/powerpoint/2010/main" val="2300129265"/>
+      </p:ext>
+    </p:extLst>
+  </p:cSld>
+  <p:clrMapOvr>
+    <a:masterClrMapping/>
+  </p:clrMapOvr>
+</p:notes>
+</file>
+
+<file path=ppt/notesSlides/notesSlide11.xml><?xml version="1.0" encoding="utf-8"?>
+<p:notes xmlns:a="http://schemas.openxmlformats.org/drawingml/2006/main" xmlns:r="http://schemas.openxmlformats.org/officeDocument/2006/relationships" xmlns:p="http://schemas.openxmlformats.org/presentationml/2006/main">
+  <p:cSld>
+    <p:spTree>
+      <p:nvGrpSpPr>
+        <p:cNvPr id="1" name=""/>
+        <p:cNvGrpSpPr/>
+        <p:nvPr/>
+      </p:nvGrpSpPr>
+      <p:grpSpPr>
+        <a:xfrm>
+          <a:off x="0" y="0"/>
+          <a:ext cx="0" cy="0"/>
+          <a:chOff x="0" y="0"/>
+          <a:chExt cx="0" cy="0"/>
+        </a:xfrm>
+      </p:grpSpPr>
+      <p:sp>
+        <p:nvSpPr>
+          <p:cNvPr id="7" name="Foliennummernplatzhalter 6">
+            <a:extLst>
+              <a:ext uri="{FF2B5EF4-FFF2-40B4-BE49-F238E27FC236}">
+                <a16:creationId xmlns:a16="http://schemas.microsoft.com/office/drawing/2014/main" id="{44EC89B4-CA93-4D45-839B-2A01018E3B97}"/>
+              </a:ext>
+            </a:extLst>
+          </p:cNvPr>
+          <p:cNvSpPr txBox="1">
+            <a:spLocks noGrp="1"/>
+          </p:cNvSpPr>
+          <p:nvPr>
+            <p:ph type="sldNum" sz="quarter" idx="5"/>
+          </p:nvPr>
+        </p:nvSpPr>
+        <p:spPr>
+          <a:ln/>
+        </p:spPr>
+        <p:txBody>
+          <a:bodyPr lIns="0" tIns="0" rIns="0" bIns="0" anchor="b" anchorCtr="0">
+            <a:noAutofit/>
+          </a:bodyPr>
+          <a:lstStyle/>
+          <a:p>
+            <a:pPr lvl="0"/>
+            <a:fld id="{3C8E01BB-7E90-4F3B-A1BE-2874FDDB04D8}" type="slidenum">
+              <a:t>11</a:t>
+            </a:fld>
+            <a:endParaRPr lang="en-US"/>
+          </a:p>
+        </p:txBody>
+      </p:sp>
+      <p:sp>
+        <p:nvSpPr>
+          <p:cNvPr id="2" name="Folienbildplatzhalter 1">
+            <a:extLst>
+              <a:ext uri="{FF2B5EF4-FFF2-40B4-BE49-F238E27FC236}">
+                <a16:creationId xmlns:a16="http://schemas.microsoft.com/office/drawing/2014/main" id="{529499F4-C569-4871-B59C-750229A96602}"/>
+              </a:ext>
+            </a:extLst>
+          </p:cNvPr>
+          <p:cNvSpPr>
+            <a:spLocks noGrp="1" noRot="1" noChangeAspect="1" noResize="1"/>
+          </p:cNvSpPr>
+          <p:nvPr>
+            <p:ph type="sldImg"/>
+          </p:nvPr>
+        </p:nvSpPr>
+        <p:spPr>
+          <a:xfrm>
+            <a:off x="1106488" y="812800"/>
+            <a:ext cx="5345112" cy="4008438"/>
+          </a:xfrm>
+          <a:solidFill>
+            <a:srgbClr val="729FCF"/>
+          </a:solidFill>
+          <a:ln w="25400">
+            <a:solidFill>
+              <a:srgbClr val="3465A4"/>
+            </a:solidFill>
+            <a:prstDash val="solid"/>
+          </a:ln>
+        </p:spPr>
+      </p:sp>
+      <p:sp>
+        <p:nvSpPr>
+          <p:cNvPr id="3" name="Notizenplatzhalter 2">
+            <a:extLst>
+              <a:ext uri="{FF2B5EF4-FFF2-40B4-BE49-F238E27FC236}">
+                <a16:creationId xmlns:a16="http://schemas.microsoft.com/office/drawing/2014/main" id="{81E7C8BE-B1CF-48F2-9BC3-AC9AA709A482}"/>
+              </a:ext>
+            </a:extLst>
+          </p:cNvPr>
+          <p:cNvSpPr txBox="1">
+            <a:spLocks noGrp="1"/>
+          </p:cNvSpPr>
+          <p:nvPr>
+            <p:ph type="body" sz="quarter" idx="1"/>
+          </p:nvPr>
+        </p:nvSpPr>
+        <p:spPr/>
+        <p:txBody>
+          <a:bodyPr/>
+          <a:lstStyle/>
+          <a:p>
+            <a:endParaRPr lang="en-US"/>
+          </a:p>
+        </p:txBody>
+      </p:sp>
+    </p:spTree>
+    <p:extLst>
+      <p:ext uri="{BB962C8B-B14F-4D97-AF65-F5344CB8AC3E}">
+        <p14:creationId xmlns:p14="http://schemas.microsoft.com/office/powerpoint/2010/main" val="962086783"/>
+      </p:ext>
+    </p:extLst>
+  </p:cSld>
+  <p:clrMapOvr>
+    <a:masterClrMapping/>
+  </p:clrMapOvr>
+</p:notes>
+</file>
+
+<file path=ppt/notesSlides/notesSlide12.xml><?xml version="1.0" encoding="utf-8"?>
+<p:notes xmlns:a="http://schemas.openxmlformats.org/drawingml/2006/main" xmlns:r="http://schemas.openxmlformats.org/officeDocument/2006/relationships" xmlns:p="http://schemas.openxmlformats.org/presentationml/2006/main">
+  <p:cSld>
+    <p:spTree>
+      <p:nvGrpSpPr>
+        <p:cNvPr id="1" name=""/>
+        <p:cNvGrpSpPr/>
+        <p:nvPr/>
+      </p:nvGrpSpPr>
+      <p:grpSpPr>
+        <a:xfrm>
+          <a:off x="0" y="0"/>
+          <a:ext cx="0" cy="0"/>
+          <a:chOff x="0" y="0"/>
+          <a:chExt cx="0" cy="0"/>
+        </a:xfrm>
+      </p:grpSpPr>
+      <p:sp>
+        <p:nvSpPr>
+          <p:cNvPr id="7" name="Foliennummernplatzhalter 6">
+            <a:extLst>
+              <a:ext uri="{FF2B5EF4-FFF2-40B4-BE49-F238E27FC236}">
+                <a16:creationId xmlns:a16="http://schemas.microsoft.com/office/drawing/2014/main" id="{44EC89B4-CA93-4D45-839B-2A01018E3B97}"/>
+              </a:ext>
+            </a:extLst>
+          </p:cNvPr>
+          <p:cNvSpPr txBox="1">
+            <a:spLocks noGrp="1"/>
+          </p:cNvSpPr>
+          <p:nvPr>
+            <p:ph type="sldNum" sz="quarter" idx="5"/>
+          </p:nvPr>
+        </p:nvSpPr>
+        <p:spPr>
+          <a:ln/>
+        </p:spPr>
+        <p:txBody>
+          <a:bodyPr lIns="0" tIns="0" rIns="0" bIns="0" anchor="b" anchorCtr="0">
+            <a:noAutofit/>
+          </a:bodyPr>
+          <a:lstStyle/>
+          <a:p>
+            <a:pPr lvl="0"/>
+            <a:fld id="{3C8E01BB-7E90-4F3B-A1BE-2874FDDB04D8}" type="slidenum">
+              <a:t>12</a:t>
+            </a:fld>
+            <a:endParaRPr lang="en-US"/>
+          </a:p>
+        </p:txBody>
+      </p:sp>
+      <p:sp>
+        <p:nvSpPr>
+          <p:cNvPr id="2" name="Folienbildplatzhalter 1">
+            <a:extLst>
+              <a:ext uri="{FF2B5EF4-FFF2-40B4-BE49-F238E27FC236}">
+                <a16:creationId xmlns:a16="http://schemas.microsoft.com/office/drawing/2014/main" id="{529499F4-C569-4871-B59C-750229A96602}"/>
+              </a:ext>
+            </a:extLst>
+          </p:cNvPr>
+          <p:cNvSpPr>
+            <a:spLocks noGrp="1" noRot="1" noChangeAspect="1" noResize="1"/>
+          </p:cNvSpPr>
+          <p:nvPr>
+            <p:ph type="sldImg"/>
+          </p:nvPr>
+        </p:nvSpPr>
+        <p:spPr>
+          <a:xfrm>
+            <a:off x="1106488" y="812800"/>
+            <a:ext cx="5345112" cy="4008438"/>
+          </a:xfrm>
+          <a:solidFill>
+            <a:srgbClr val="729FCF"/>
+          </a:solidFill>
+          <a:ln w="25400">
+            <a:solidFill>
+              <a:srgbClr val="3465A4"/>
+            </a:solidFill>
+            <a:prstDash val="solid"/>
+          </a:ln>
+        </p:spPr>
+      </p:sp>
+      <p:sp>
+        <p:nvSpPr>
+          <p:cNvPr id="3" name="Notizenplatzhalter 2">
+            <a:extLst>
+              <a:ext uri="{FF2B5EF4-FFF2-40B4-BE49-F238E27FC236}">
+                <a16:creationId xmlns:a16="http://schemas.microsoft.com/office/drawing/2014/main" id="{81E7C8BE-B1CF-48F2-9BC3-AC9AA709A482}"/>
+              </a:ext>
+            </a:extLst>
+          </p:cNvPr>
+          <p:cNvSpPr txBox="1">
+            <a:spLocks noGrp="1"/>
+          </p:cNvSpPr>
+          <p:nvPr>
+            <p:ph type="body" sz="quarter" idx="1"/>
+          </p:nvPr>
+        </p:nvSpPr>
+        <p:spPr/>
+        <p:txBody>
+          <a:bodyPr/>
+          <a:lstStyle/>
+          <a:p>
+            <a:endParaRPr lang="en-US"/>
+          </a:p>
+        </p:txBody>
+      </p:sp>
+    </p:spTree>
+    <p:extLst>
+      <p:ext uri="{BB962C8B-B14F-4D97-AF65-F5344CB8AC3E}">
+        <p14:creationId xmlns:p14="http://schemas.microsoft.com/office/powerpoint/2010/main" val="752271772"/>
+      </p:ext>
+    </p:extLst>
+  </p:cSld>
+  <p:clrMapOvr>
+    <a:masterClrMapping/>
+  </p:clrMapOvr>
+</p:notes>
+</file>
+
+<file path=ppt/notesSlides/notesSlide13.xml><?xml version="1.0" encoding="utf-8"?>
+<p:notes xmlns:a="http://schemas.openxmlformats.org/drawingml/2006/main" xmlns:r="http://schemas.openxmlformats.org/officeDocument/2006/relationships" xmlns:p="http://schemas.openxmlformats.org/presentationml/2006/main">
+  <p:cSld>
+    <p:spTree>
+      <p:nvGrpSpPr>
+        <p:cNvPr id="1" name=""/>
+        <p:cNvGrpSpPr/>
+        <p:nvPr/>
+      </p:nvGrpSpPr>
+      <p:grpSpPr>
+        <a:xfrm>
+          <a:off x="0" y="0"/>
+          <a:ext cx="0" cy="0"/>
+          <a:chOff x="0" y="0"/>
+          <a:chExt cx="0" cy="0"/>
+        </a:xfrm>
+      </p:grpSpPr>
+      <p:sp>
+        <p:nvSpPr>
+          <p:cNvPr id="7" name="Foliennummernplatzhalter 6">
+            <a:extLst>
+              <a:ext uri="{FF2B5EF4-FFF2-40B4-BE49-F238E27FC236}">
+                <a16:creationId xmlns:a16="http://schemas.microsoft.com/office/drawing/2014/main" id="{44EC89B4-CA93-4D45-839B-2A01018E3B97}"/>
+              </a:ext>
+            </a:extLst>
+          </p:cNvPr>
+          <p:cNvSpPr txBox="1">
+            <a:spLocks noGrp="1"/>
+          </p:cNvSpPr>
+          <p:nvPr>
+            <p:ph type="sldNum" sz="quarter" idx="5"/>
+          </p:nvPr>
+        </p:nvSpPr>
+        <p:spPr>
+          <a:ln/>
+        </p:spPr>
+        <p:txBody>
+          <a:bodyPr lIns="0" tIns="0" rIns="0" bIns="0" anchor="b" anchorCtr="0">
+            <a:noAutofit/>
+          </a:bodyPr>
+          <a:lstStyle/>
+          <a:p>
+            <a:pPr lvl="0"/>
+            <a:fld id="{3C8E01BB-7E90-4F3B-A1BE-2874FDDB04D8}" type="slidenum">
+              <a:t>13</a:t>
+            </a:fld>
+            <a:endParaRPr lang="en-US"/>
+          </a:p>
+        </p:txBody>
+      </p:sp>
+      <p:sp>
+        <p:nvSpPr>
+          <p:cNvPr id="2" name="Folienbildplatzhalter 1">
+            <a:extLst>
+              <a:ext uri="{FF2B5EF4-FFF2-40B4-BE49-F238E27FC236}">
+                <a16:creationId xmlns:a16="http://schemas.microsoft.com/office/drawing/2014/main" id="{529499F4-C569-4871-B59C-750229A96602}"/>
+              </a:ext>
+            </a:extLst>
+          </p:cNvPr>
+          <p:cNvSpPr>
+            <a:spLocks noGrp="1" noRot="1" noChangeAspect="1" noResize="1"/>
+          </p:cNvSpPr>
+          <p:nvPr>
+            <p:ph type="sldImg"/>
+          </p:nvPr>
+        </p:nvSpPr>
+        <p:spPr>
+          <a:xfrm>
+            <a:off x="1106488" y="812800"/>
+            <a:ext cx="5345112" cy="4008438"/>
+          </a:xfrm>
+          <a:solidFill>
+            <a:srgbClr val="729FCF"/>
+          </a:solidFill>
+          <a:ln w="25400">
+            <a:solidFill>
+              <a:srgbClr val="3465A4"/>
+            </a:solidFill>
+            <a:prstDash val="solid"/>
+          </a:ln>
+        </p:spPr>
+      </p:sp>
+      <p:sp>
+        <p:nvSpPr>
+          <p:cNvPr id="3" name="Notizenplatzhalter 2">
+            <a:extLst>
+              <a:ext uri="{FF2B5EF4-FFF2-40B4-BE49-F238E27FC236}">
+                <a16:creationId xmlns:a16="http://schemas.microsoft.com/office/drawing/2014/main" id="{81E7C8BE-B1CF-48F2-9BC3-AC9AA709A482}"/>
+              </a:ext>
+            </a:extLst>
+          </p:cNvPr>
+          <p:cNvSpPr txBox="1">
+            <a:spLocks noGrp="1"/>
+          </p:cNvSpPr>
+          <p:nvPr>
+            <p:ph type="body" sz="quarter" idx="1"/>
+          </p:nvPr>
+        </p:nvSpPr>
+        <p:spPr/>
+        <p:txBody>
+          <a:bodyPr/>
+          <a:lstStyle/>
+          <a:p>
+            <a:endParaRPr lang="en-US"/>
+          </a:p>
+        </p:txBody>
+      </p:sp>
+    </p:spTree>
+    <p:extLst>
+      <p:ext uri="{BB962C8B-B14F-4D97-AF65-F5344CB8AC3E}">
+        <p14:creationId xmlns:p14="http://schemas.microsoft.com/office/powerpoint/2010/main" val="2009307812"/>
+      </p:ext>
+    </p:extLst>
+  </p:cSld>
+  <p:clrMapOvr>
+    <a:masterClrMapping/>
+  </p:clrMapOvr>
+</p:notes>
+</file>
+
 <file path=ppt/notesSlides/notesSlide2.xml><?xml version="1.0" encoding="utf-8"?>
 <p:notes xmlns:a="http://schemas.openxmlformats.org/drawingml/2006/main" xmlns:r="http://schemas.openxmlformats.org/officeDocument/2006/relationships" xmlns:p="http://schemas.openxmlformats.org/presentationml/2006/main">
   <p:cSld>
@@ -1079,7 +1551,7 @@
           <p:cNvPr id="7" name="Foliennummernplatzhalter 6">
             <a:extLst>
               <a:ext uri="{FF2B5EF4-FFF2-40B4-BE49-F238E27FC236}">
-                <a16:creationId xmlns:a16="http://schemas.microsoft.com/office/drawing/2014/main" id="{5EDE0806-B982-4A0A-8483-9FA68FB5C98C}"/>
+                <a16:creationId xmlns:a16="http://schemas.microsoft.com/office/drawing/2014/main" id="{44EC89B4-CA93-4D45-839B-2A01018E3B97}"/>
               </a:ext>
             </a:extLst>
           </p:cNvPr>
@@ -1100,7 +1572,7 @@
           <a:lstStyle/>
           <a:p>
             <a:pPr lvl="0"/>
-            <a:fld id="{6482543A-D1F8-4E28-A13F-13EE632CBE0A}" type="slidenum">
+            <a:fld id="{3C8E01BB-7E90-4F3B-A1BE-2874FDDB04D8}" type="slidenum">
               <a:t>3</a:t>
             </a:fld>
             <a:endParaRPr lang="en-US"/>
@@ -1112,7 +1584,7 @@
           <p:cNvPr id="2" name="Folienbildplatzhalter 1">
             <a:extLst>
               <a:ext uri="{FF2B5EF4-FFF2-40B4-BE49-F238E27FC236}">
-                <a16:creationId xmlns:a16="http://schemas.microsoft.com/office/drawing/2014/main" id="{C3EEF3BB-8F0B-4451-8F83-8E5D748B7DEF}"/>
+                <a16:creationId xmlns:a16="http://schemas.microsoft.com/office/drawing/2014/main" id="{529499F4-C569-4871-B59C-750229A96602}"/>
               </a:ext>
             </a:extLst>
           </p:cNvPr>
@@ -1144,7 +1616,7 @@
           <p:cNvPr id="3" name="Notizenplatzhalter 2">
             <a:extLst>
               <a:ext uri="{FF2B5EF4-FFF2-40B4-BE49-F238E27FC236}">
-                <a16:creationId xmlns:a16="http://schemas.microsoft.com/office/drawing/2014/main" id="{AB5FD366-3B59-4A65-92B3-6573459D13D0}"/>
+                <a16:creationId xmlns:a16="http://schemas.microsoft.com/office/drawing/2014/main" id="{81E7C8BE-B1CF-48F2-9BC3-AC9AA709A482}"/>
               </a:ext>
             </a:extLst>
           </p:cNvPr>
@@ -1165,6 +1637,11 @@
         </p:txBody>
       </p:sp>
     </p:spTree>
+    <p:extLst>
+      <p:ext uri="{BB962C8B-B14F-4D97-AF65-F5344CB8AC3E}">
+        <p14:creationId xmlns:p14="http://schemas.microsoft.com/office/powerpoint/2010/main" val="2806679083"/>
+      </p:ext>
+    </p:extLst>
   </p:cSld>
   <p:clrMapOvr>
     <a:masterClrMapping/>
@@ -1194,7 +1671,7 @@
           <p:cNvPr id="7" name="Foliennummernplatzhalter 6">
             <a:extLst>
               <a:ext uri="{FF2B5EF4-FFF2-40B4-BE49-F238E27FC236}">
-                <a16:creationId xmlns:a16="http://schemas.microsoft.com/office/drawing/2014/main" id="{B9DF62F9-36EE-4CBB-B20A-2547FCA93D55}"/>
+                <a16:creationId xmlns:a16="http://schemas.microsoft.com/office/drawing/2014/main" id="{44EC89B4-CA93-4D45-839B-2A01018E3B97}"/>
               </a:ext>
             </a:extLst>
           </p:cNvPr>
@@ -1215,7 +1692,7 @@
           <a:lstStyle/>
           <a:p>
             <a:pPr lvl="0"/>
-            <a:fld id="{B3E4F0F0-5AC2-4FA5-8E61-F577F41D28ED}" type="slidenum">
+            <a:fld id="{3C8E01BB-7E90-4F3B-A1BE-2874FDDB04D8}" type="slidenum">
               <a:t>4</a:t>
             </a:fld>
             <a:endParaRPr lang="en-US"/>
@@ -1227,7 +1704,7 @@
           <p:cNvPr id="2" name="Folienbildplatzhalter 1">
             <a:extLst>
               <a:ext uri="{FF2B5EF4-FFF2-40B4-BE49-F238E27FC236}">
-                <a16:creationId xmlns:a16="http://schemas.microsoft.com/office/drawing/2014/main" id="{7CEBE1EA-8824-4767-BAA6-91AB9EC77D42}"/>
+                <a16:creationId xmlns:a16="http://schemas.microsoft.com/office/drawing/2014/main" id="{529499F4-C569-4871-B59C-750229A96602}"/>
               </a:ext>
             </a:extLst>
           </p:cNvPr>
@@ -1259,7 +1736,7 @@
           <p:cNvPr id="3" name="Notizenplatzhalter 2">
             <a:extLst>
               <a:ext uri="{FF2B5EF4-FFF2-40B4-BE49-F238E27FC236}">
-                <a16:creationId xmlns:a16="http://schemas.microsoft.com/office/drawing/2014/main" id="{298C1E80-9EE7-42B1-9CA9-4EBFE1694E6E}"/>
+                <a16:creationId xmlns:a16="http://schemas.microsoft.com/office/drawing/2014/main" id="{81E7C8BE-B1CF-48F2-9BC3-AC9AA709A482}"/>
               </a:ext>
             </a:extLst>
           </p:cNvPr>
@@ -1280,6 +1757,11 @@
         </p:txBody>
       </p:sp>
     </p:spTree>
+    <p:extLst>
+      <p:ext uri="{BB962C8B-B14F-4D97-AF65-F5344CB8AC3E}">
+        <p14:creationId xmlns:p14="http://schemas.microsoft.com/office/powerpoint/2010/main" val="104091733"/>
+      </p:ext>
+    </p:extLst>
   </p:cSld>
   <p:clrMapOvr>
     <a:masterClrMapping/>
@@ -1309,7 +1791,7 @@
           <p:cNvPr id="7" name="Foliennummernplatzhalter 6">
             <a:extLst>
               <a:ext uri="{FF2B5EF4-FFF2-40B4-BE49-F238E27FC236}">
-                <a16:creationId xmlns:a16="http://schemas.microsoft.com/office/drawing/2014/main" id="{022D62A1-B6D9-4D74-B0F4-DC55A8D22D00}"/>
+                <a16:creationId xmlns:a16="http://schemas.microsoft.com/office/drawing/2014/main" id="{44EC89B4-CA93-4D45-839B-2A01018E3B97}"/>
               </a:ext>
             </a:extLst>
           </p:cNvPr>
@@ -1330,7 +1812,7 @@
           <a:lstStyle/>
           <a:p>
             <a:pPr lvl="0"/>
-            <a:fld id="{F8F24440-DB99-4BA0-8B6C-DCC58CBA332C}" type="slidenum">
+            <a:fld id="{3C8E01BB-7E90-4F3B-A1BE-2874FDDB04D8}" type="slidenum">
               <a:t>5</a:t>
             </a:fld>
             <a:endParaRPr lang="en-US"/>
@@ -1342,7 +1824,7 @@
           <p:cNvPr id="2" name="Folienbildplatzhalter 1">
             <a:extLst>
               <a:ext uri="{FF2B5EF4-FFF2-40B4-BE49-F238E27FC236}">
-                <a16:creationId xmlns:a16="http://schemas.microsoft.com/office/drawing/2014/main" id="{F0AC97AA-25D4-468E-BBAA-47A179AED0D5}"/>
+                <a16:creationId xmlns:a16="http://schemas.microsoft.com/office/drawing/2014/main" id="{529499F4-C569-4871-B59C-750229A96602}"/>
               </a:ext>
             </a:extLst>
           </p:cNvPr>
@@ -1374,7 +1856,7 @@
           <p:cNvPr id="3" name="Notizenplatzhalter 2">
             <a:extLst>
               <a:ext uri="{FF2B5EF4-FFF2-40B4-BE49-F238E27FC236}">
-                <a16:creationId xmlns:a16="http://schemas.microsoft.com/office/drawing/2014/main" id="{003CE898-D412-4563-8B7B-70EA0141F103}"/>
+                <a16:creationId xmlns:a16="http://schemas.microsoft.com/office/drawing/2014/main" id="{81E7C8BE-B1CF-48F2-9BC3-AC9AA709A482}"/>
               </a:ext>
             </a:extLst>
           </p:cNvPr>
@@ -1395,6 +1877,11 @@
         </p:txBody>
       </p:sp>
     </p:spTree>
+    <p:extLst>
+      <p:ext uri="{BB962C8B-B14F-4D97-AF65-F5344CB8AC3E}">
+        <p14:creationId xmlns:p14="http://schemas.microsoft.com/office/powerpoint/2010/main" val="358810489"/>
+      </p:ext>
+    </p:extLst>
   </p:cSld>
   <p:clrMapOvr>
     <a:masterClrMapping/>
@@ -1424,7 +1911,7 @@
           <p:cNvPr id="7" name="Foliennummernplatzhalter 6">
             <a:extLst>
               <a:ext uri="{FF2B5EF4-FFF2-40B4-BE49-F238E27FC236}">
-                <a16:creationId xmlns:a16="http://schemas.microsoft.com/office/drawing/2014/main" id="{DE8AFCDB-7135-41B3-A7CB-4B20E1CAFFDE}"/>
+                <a16:creationId xmlns:a16="http://schemas.microsoft.com/office/drawing/2014/main" id="{44EC89B4-CA93-4D45-839B-2A01018E3B97}"/>
               </a:ext>
             </a:extLst>
           </p:cNvPr>
@@ -1445,7 +1932,7 @@
           <a:lstStyle/>
           <a:p>
             <a:pPr lvl="0"/>
-            <a:fld id="{52F11CB2-B37C-4F0B-B1EE-50E4AC2CB940}" type="slidenum">
+            <a:fld id="{3C8E01BB-7E90-4F3B-A1BE-2874FDDB04D8}" type="slidenum">
               <a:t>6</a:t>
             </a:fld>
             <a:endParaRPr lang="en-US"/>
@@ -1457,7 +1944,7 @@
           <p:cNvPr id="2" name="Folienbildplatzhalter 1">
             <a:extLst>
               <a:ext uri="{FF2B5EF4-FFF2-40B4-BE49-F238E27FC236}">
-                <a16:creationId xmlns:a16="http://schemas.microsoft.com/office/drawing/2014/main" id="{29AA7FA5-DB23-4007-AC11-3680A917484B}"/>
+                <a16:creationId xmlns:a16="http://schemas.microsoft.com/office/drawing/2014/main" id="{529499F4-C569-4871-B59C-750229A96602}"/>
               </a:ext>
             </a:extLst>
           </p:cNvPr>
@@ -1489,7 +1976,7 @@
           <p:cNvPr id="3" name="Notizenplatzhalter 2">
             <a:extLst>
               <a:ext uri="{FF2B5EF4-FFF2-40B4-BE49-F238E27FC236}">
-                <a16:creationId xmlns:a16="http://schemas.microsoft.com/office/drawing/2014/main" id="{EB687620-C26C-4811-8532-A4EEF1348100}"/>
+                <a16:creationId xmlns:a16="http://schemas.microsoft.com/office/drawing/2014/main" id="{81E7C8BE-B1CF-48F2-9BC3-AC9AA709A482}"/>
               </a:ext>
             </a:extLst>
           </p:cNvPr>
@@ -1510,6 +1997,11 @@
         </p:txBody>
       </p:sp>
     </p:spTree>
+    <p:extLst>
+      <p:ext uri="{BB962C8B-B14F-4D97-AF65-F5344CB8AC3E}">
+        <p14:creationId xmlns:p14="http://schemas.microsoft.com/office/powerpoint/2010/main" val="47740511"/>
+      </p:ext>
+    </p:extLst>
   </p:cSld>
   <p:clrMapOvr>
     <a:masterClrMapping/>
@@ -1539,7 +2031,7 @@
           <p:cNvPr id="7" name="Foliennummernplatzhalter 6">
             <a:extLst>
               <a:ext uri="{FF2B5EF4-FFF2-40B4-BE49-F238E27FC236}">
-                <a16:creationId xmlns:a16="http://schemas.microsoft.com/office/drawing/2014/main" id="{DE8AFCDB-7135-41B3-A7CB-4B20E1CAFFDE}"/>
+                <a16:creationId xmlns:a16="http://schemas.microsoft.com/office/drawing/2014/main" id="{44EC89B4-CA93-4D45-839B-2A01018E3B97}"/>
               </a:ext>
             </a:extLst>
           </p:cNvPr>
@@ -1560,7 +2052,7 @@
           <a:lstStyle/>
           <a:p>
             <a:pPr lvl="0"/>
-            <a:fld id="{52F11CB2-B37C-4F0B-B1EE-50E4AC2CB940}" type="slidenum">
+            <a:fld id="{3C8E01BB-7E90-4F3B-A1BE-2874FDDB04D8}" type="slidenum">
               <a:t>7</a:t>
             </a:fld>
             <a:endParaRPr lang="en-US"/>
@@ -1572,7 +2064,7 @@
           <p:cNvPr id="2" name="Folienbildplatzhalter 1">
             <a:extLst>
               <a:ext uri="{FF2B5EF4-FFF2-40B4-BE49-F238E27FC236}">
-                <a16:creationId xmlns:a16="http://schemas.microsoft.com/office/drawing/2014/main" id="{29AA7FA5-DB23-4007-AC11-3680A917484B}"/>
+                <a16:creationId xmlns:a16="http://schemas.microsoft.com/office/drawing/2014/main" id="{529499F4-C569-4871-B59C-750229A96602}"/>
               </a:ext>
             </a:extLst>
           </p:cNvPr>
@@ -1604,7 +2096,7 @@
           <p:cNvPr id="3" name="Notizenplatzhalter 2">
             <a:extLst>
               <a:ext uri="{FF2B5EF4-FFF2-40B4-BE49-F238E27FC236}">
-                <a16:creationId xmlns:a16="http://schemas.microsoft.com/office/drawing/2014/main" id="{EB687620-C26C-4811-8532-A4EEF1348100}"/>
+                <a16:creationId xmlns:a16="http://schemas.microsoft.com/office/drawing/2014/main" id="{81E7C8BE-B1CF-48F2-9BC3-AC9AA709A482}"/>
               </a:ext>
             </a:extLst>
           </p:cNvPr>
@@ -1627,7 +2119,247 @@
     </p:spTree>
     <p:extLst>
       <p:ext uri="{BB962C8B-B14F-4D97-AF65-F5344CB8AC3E}">
-        <p14:creationId xmlns:p14="http://schemas.microsoft.com/office/powerpoint/2010/main" val="3768138724"/>
+        <p14:creationId xmlns:p14="http://schemas.microsoft.com/office/powerpoint/2010/main" val="281766915"/>
+      </p:ext>
+    </p:extLst>
+  </p:cSld>
+  <p:clrMapOvr>
+    <a:masterClrMapping/>
+  </p:clrMapOvr>
+</p:notes>
+</file>
+
+<file path=ppt/notesSlides/notesSlide8.xml><?xml version="1.0" encoding="utf-8"?>
+<p:notes xmlns:a="http://schemas.openxmlformats.org/drawingml/2006/main" xmlns:r="http://schemas.openxmlformats.org/officeDocument/2006/relationships" xmlns:p="http://schemas.openxmlformats.org/presentationml/2006/main">
+  <p:cSld>
+    <p:spTree>
+      <p:nvGrpSpPr>
+        <p:cNvPr id="1" name=""/>
+        <p:cNvGrpSpPr/>
+        <p:nvPr/>
+      </p:nvGrpSpPr>
+      <p:grpSpPr>
+        <a:xfrm>
+          <a:off x="0" y="0"/>
+          <a:ext cx="0" cy="0"/>
+          <a:chOff x="0" y="0"/>
+          <a:chExt cx="0" cy="0"/>
+        </a:xfrm>
+      </p:grpSpPr>
+      <p:sp>
+        <p:nvSpPr>
+          <p:cNvPr id="7" name="Foliennummernplatzhalter 6">
+            <a:extLst>
+              <a:ext uri="{FF2B5EF4-FFF2-40B4-BE49-F238E27FC236}">
+                <a16:creationId xmlns:a16="http://schemas.microsoft.com/office/drawing/2014/main" id="{44EC89B4-CA93-4D45-839B-2A01018E3B97}"/>
+              </a:ext>
+            </a:extLst>
+          </p:cNvPr>
+          <p:cNvSpPr txBox="1">
+            <a:spLocks noGrp="1"/>
+          </p:cNvSpPr>
+          <p:nvPr>
+            <p:ph type="sldNum" sz="quarter" idx="5"/>
+          </p:nvPr>
+        </p:nvSpPr>
+        <p:spPr>
+          <a:ln/>
+        </p:spPr>
+        <p:txBody>
+          <a:bodyPr lIns="0" tIns="0" rIns="0" bIns="0" anchor="b" anchorCtr="0">
+            <a:noAutofit/>
+          </a:bodyPr>
+          <a:lstStyle/>
+          <a:p>
+            <a:pPr lvl="0"/>
+            <a:fld id="{3C8E01BB-7E90-4F3B-A1BE-2874FDDB04D8}" type="slidenum">
+              <a:t>8</a:t>
+            </a:fld>
+            <a:endParaRPr lang="en-US"/>
+          </a:p>
+        </p:txBody>
+      </p:sp>
+      <p:sp>
+        <p:nvSpPr>
+          <p:cNvPr id="2" name="Folienbildplatzhalter 1">
+            <a:extLst>
+              <a:ext uri="{FF2B5EF4-FFF2-40B4-BE49-F238E27FC236}">
+                <a16:creationId xmlns:a16="http://schemas.microsoft.com/office/drawing/2014/main" id="{529499F4-C569-4871-B59C-750229A96602}"/>
+              </a:ext>
+            </a:extLst>
+          </p:cNvPr>
+          <p:cNvSpPr>
+            <a:spLocks noGrp="1" noRot="1" noChangeAspect="1" noResize="1"/>
+          </p:cNvSpPr>
+          <p:nvPr>
+            <p:ph type="sldImg"/>
+          </p:nvPr>
+        </p:nvSpPr>
+        <p:spPr>
+          <a:xfrm>
+            <a:off x="1106488" y="812800"/>
+            <a:ext cx="5345112" cy="4008438"/>
+          </a:xfrm>
+          <a:solidFill>
+            <a:srgbClr val="729FCF"/>
+          </a:solidFill>
+          <a:ln w="25400">
+            <a:solidFill>
+              <a:srgbClr val="3465A4"/>
+            </a:solidFill>
+            <a:prstDash val="solid"/>
+          </a:ln>
+        </p:spPr>
+      </p:sp>
+      <p:sp>
+        <p:nvSpPr>
+          <p:cNvPr id="3" name="Notizenplatzhalter 2">
+            <a:extLst>
+              <a:ext uri="{FF2B5EF4-FFF2-40B4-BE49-F238E27FC236}">
+                <a16:creationId xmlns:a16="http://schemas.microsoft.com/office/drawing/2014/main" id="{81E7C8BE-B1CF-48F2-9BC3-AC9AA709A482}"/>
+              </a:ext>
+            </a:extLst>
+          </p:cNvPr>
+          <p:cNvSpPr txBox="1">
+            <a:spLocks noGrp="1"/>
+          </p:cNvSpPr>
+          <p:nvPr>
+            <p:ph type="body" sz="quarter" idx="1"/>
+          </p:nvPr>
+        </p:nvSpPr>
+        <p:spPr/>
+        <p:txBody>
+          <a:bodyPr/>
+          <a:lstStyle/>
+          <a:p>
+            <a:endParaRPr lang="en-US"/>
+          </a:p>
+        </p:txBody>
+      </p:sp>
+    </p:spTree>
+    <p:extLst>
+      <p:ext uri="{BB962C8B-B14F-4D97-AF65-F5344CB8AC3E}">
+        <p14:creationId xmlns:p14="http://schemas.microsoft.com/office/powerpoint/2010/main" val="1982314894"/>
+      </p:ext>
+    </p:extLst>
+  </p:cSld>
+  <p:clrMapOvr>
+    <a:masterClrMapping/>
+  </p:clrMapOvr>
+</p:notes>
+</file>
+
+<file path=ppt/notesSlides/notesSlide9.xml><?xml version="1.0" encoding="utf-8"?>
+<p:notes xmlns:a="http://schemas.openxmlformats.org/drawingml/2006/main" xmlns:r="http://schemas.openxmlformats.org/officeDocument/2006/relationships" xmlns:p="http://schemas.openxmlformats.org/presentationml/2006/main">
+  <p:cSld>
+    <p:spTree>
+      <p:nvGrpSpPr>
+        <p:cNvPr id="1" name=""/>
+        <p:cNvGrpSpPr/>
+        <p:nvPr/>
+      </p:nvGrpSpPr>
+      <p:grpSpPr>
+        <a:xfrm>
+          <a:off x="0" y="0"/>
+          <a:ext cx="0" cy="0"/>
+          <a:chOff x="0" y="0"/>
+          <a:chExt cx="0" cy="0"/>
+        </a:xfrm>
+      </p:grpSpPr>
+      <p:sp>
+        <p:nvSpPr>
+          <p:cNvPr id="7" name="Foliennummernplatzhalter 6">
+            <a:extLst>
+              <a:ext uri="{FF2B5EF4-FFF2-40B4-BE49-F238E27FC236}">
+                <a16:creationId xmlns:a16="http://schemas.microsoft.com/office/drawing/2014/main" id="{44EC89B4-CA93-4D45-839B-2A01018E3B97}"/>
+              </a:ext>
+            </a:extLst>
+          </p:cNvPr>
+          <p:cNvSpPr txBox="1">
+            <a:spLocks noGrp="1"/>
+          </p:cNvSpPr>
+          <p:nvPr>
+            <p:ph type="sldNum" sz="quarter" idx="5"/>
+          </p:nvPr>
+        </p:nvSpPr>
+        <p:spPr>
+          <a:ln/>
+        </p:spPr>
+        <p:txBody>
+          <a:bodyPr lIns="0" tIns="0" rIns="0" bIns="0" anchor="b" anchorCtr="0">
+            <a:noAutofit/>
+          </a:bodyPr>
+          <a:lstStyle/>
+          <a:p>
+            <a:pPr lvl="0"/>
+            <a:fld id="{3C8E01BB-7E90-4F3B-A1BE-2874FDDB04D8}" type="slidenum">
+              <a:t>9</a:t>
+            </a:fld>
+            <a:endParaRPr lang="en-US"/>
+          </a:p>
+        </p:txBody>
+      </p:sp>
+      <p:sp>
+        <p:nvSpPr>
+          <p:cNvPr id="2" name="Folienbildplatzhalter 1">
+            <a:extLst>
+              <a:ext uri="{FF2B5EF4-FFF2-40B4-BE49-F238E27FC236}">
+                <a16:creationId xmlns:a16="http://schemas.microsoft.com/office/drawing/2014/main" id="{529499F4-C569-4871-B59C-750229A96602}"/>
+              </a:ext>
+            </a:extLst>
+          </p:cNvPr>
+          <p:cNvSpPr>
+            <a:spLocks noGrp="1" noRot="1" noChangeAspect="1" noResize="1"/>
+          </p:cNvSpPr>
+          <p:nvPr>
+            <p:ph type="sldImg"/>
+          </p:nvPr>
+        </p:nvSpPr>
+        <p:spPr>
+          <a:xfrm>
+            <a:off x="1106488" y="812800"/>
+            <a:ext cx="5345112" cy="4008438"/>
+          </a:xfrm>
+          <a:solidFill>
+            <a:srgbClr val="729FCF"/>
+          </a:solidFill>
+          <a:ln w="25400">
+            <a:solidFill>
+              <a:srgbClr val="3465A4"/>
+            </a:solidFill>
+            <a:prstDash val="solid"/>
+          </a:ln>
+        </p:spPr>
+      </p:sp>
+      <p:sp>
+        <p:nvSpPr>
+          <p:cNvPr id="3" name="Notizenplatzhalter 2">
+            <a:extLst>
+              <a:ext uri="{FF2B5EF4-FFF2-40B4-BE49-F238E27FC236}">
+                <a16:creationId xmlns:a16="http://schemas.microsoft.com/office/drawing/2014/main" id="{81E7C8BE-B1CF-48F2-9BC3-AC9AA709A482}"/>
+              </a:ext>
+            </a:extLst>
+          </p:cNvPr>
+          <p:cNvSpPr txBox="1">
+            <a:spLocks noGrp="1"/>
+          </p:cNvSpPr>
+          <p:nvPr>
+            <p:ph type="body" sz="quarter" idx="1"/>
+          </p:nvPr>
+        </p:nvSpPr>
+        <p:spPr/>
+        <p:txBody>
+          <a:bodyPr/>
+          <a:lstStyle/>
+          <a:p>
+            <a:endParaRPr lang="en-US"/>
+          </a:p>
+        </p:txBody>
+      </p:sp>
+    </p:spTree>
+    <p:extLst>
+      <p:ext uri="{BB962C8B-B14F-4D97-AF65-F5344CB8AC3E}">
+        <p14:creationId xmlns:p14="http://schemas.microsoft.com/office/powerpoint/2010/main" val="1735602012"/>
       </p:ext>
     </p:extLst>
   </p:cSld>
@@ -4893,7 +5625,826 @@
           </a:p>
         </p:txBody>
       </p:sp>
+      <p:pic>
+        <p:nvPicPr>
+          <p:cNvPr id="3" name="Grafik 2">
+            <a:extLst>
+              <a:ext uri="{FF2B5EF4-FFF2-40B4-BE49-F238E27FC236}">
+                <a16:creationId xmlns:a16="http://schemas.microsoft.com/office/drawing/2014/main" id="{A725C087-6455-40DD-9C14-1E6D1785DCA0}"/>
+              </a:ext>
+            </a:extLst>
+          </p:cNvPr>
+          <p:cNvPicPr>
+            <a:picLocks noChangeAspect="1"/>
+          </p:cNvPicPr>
+          <p:nvPr/>
+        </p:nvPicPr>
+        <p:blipFill>
+          <a:blip r:embed="rId3"/>
+          <a:stretch>
+            <a:fillRect/>
+          </a:stretch>
+        </p:blipFill>
+        <p:spPr>
+          <a:xfrm>
+            <a:off x="2413319" y="1563480"/>
+            <a:ext cx="5674993" cy="5502276"/>
+          </a:xfrm>
+          <a:prstGeom prst="rect">
+            <a:avLst/>
+          </a:prstGeom>
+        </p:spPr>
+      </p:pic>
     </p:spTree>
+  </p:cSld>
+  <p:clrMapOvr>
+    <a:masterClrMapping/>
+  </p:clrMapOvr>
+</p:sld>
+</file>
+
+<file path=ppt/slides/slide10.xml><?xml version="1.0" encoding="utf-8"?>
+<p:sld xmlns:a="http://schemas.openxmlformats.org/drawingml/2006/main" xmlns:r="http://schemas.openxmlformats.org/officeDocument/2006/relationships" xmlns:p="http://schemas.openxmlformats.org/presentationml/2006/main">
+  <p:cSld>
+    <p:spTree>
+      <p:nvGrpSpPr>
+        <p:cNvPr id="1" name=""/>
+        <p:cNvGrpSpPr/>
+        <p:nvPr/>
+      </p:nvGrpSpPr>
+      <p:grpSpPr>
+        <a:xfrm>
+          <a:off x="0" y="0"/>
+          <a:ext cx="0" cy="0"/>
+          <a:chOff x="0" y="0"/>
+          <a:chExt cx="0" cy="0"/>
+        </a:xfrm>
+      </p:grpSpPr>
+      <p:sp>
+        <p:nvSpPr>
+          <p:cNvPr id="2" name="Titel 1">
+            <a:extLst>
+              <a:ext uri="{FF2B5EF4-FFF2-40B4-BE49-F238E27FC236}">
+                <a16:creationId xmlns:a16="http://schemas.microsoft.com/office/drawing/2014/main" id="{881A966C-72E2-435F-8C88-99AF36E1CD12}"/>
+              </a:ext>
+            </a:extLst>
+          </p:cNvPr>
+          <p:cNvSpPr txBox="1">
+            <a:spLocks noGrp="1"/>
+          </p:cNvSpPr>
+          <p:nvPr>
+            <p:ph type="title" idx="4294967295"/>
+          </p:nvPr>
+        </p:nvSpPr>
+        <p:spPr/>
+        <p:txBody>
+          <a:bodyPr/>
+          <a:lstStyle/>
+          <a:p>
+            <a:pPr lvl="0"/>
+            <a:r>
+              <a:rPr lang="en-US" dirty="0"/>
+              <a:t>Results</a:t>
+            </a:r>
+          </a:p>
+        </p:txBody>
+      </p:sp>
+      <p:sp>
+        <p:nvSpPr>
+          <p:cNvPr id="3" name="Textplatzhalter 2">
+            <a:extLst>
+              <a:ext uri="{FF2B5EF4-FFF2-40B4-BE49-F238E27FC236}">
+                <a16:creationId xmlns:a16="http://schemas.microsoft.com/office/drawing/2014/main" id="{B46C215E-DCC1-4BE4-A754-094902847F75}"/>
+              </a:ext>
+            </a:extLst>
+          </p:cNvPr>
+          <p:cNvSpPr txBox="1">
+            <a:spLocks noGrp="1"/>
+          </p:cNvSpPr>
+          <p:nvPr>
+            <p:ph type="body" idx="4294967295"/>
+          </p:nvPr>
+        </p:nvSpPr>
+        <p:spPr>
+          <a:xfrm>
+            <a:off x="503999" y="1769039"/>
+            <a:ext cx="9071640" cy="4960373"/>
+          </a:xfrm>
+          <a:noFill/>
+        </p:spPr>
+        <p:txBody>
+          <a:bodyPr/>
+          <a:lstStyle/>
+          <a:p>
+            <a:pPr marL="457200" indent="-457200">
+              <a:buFontTx/>
+              <a:buChar char="-"/>
+            </a:pPr>
+            <a:r>
+              <a:rPr lang="de-CH" dirty="0" err="1"/>
+              <a:t>Excerpt</a:t>
+            </a:r>
+            <a:r>
+              <a:rPr lang="de-CH" dirty="0"/>
+              <a:t> </a:t>
+            </a:r>
+            <a:r>
+              <a:rPr lang="de-CH" dirty="0" err="1"/>
+              <a:t>from</a:t>
+            </a:r>
+            <a:r>
+              <a:rPr lang="de-CH" dirty="0"/>
+              <a:t> log file:</a:t>
+            </a:r>
+          </a:p>
+          <a:p>
+            <a:r>
+              <a:rPr lang="en-US" sz="1400" dirty="0" err="1">
+                <a:latin typeface="Courier New" panose="02070309020205020404" pitchFamily="49" charset="0"/>
+                <a:cs typeface="Courier New" panose="02070309020205020404" pitchFamily="49" charset="0"/>
+              </a:rPr>
+              <a:t>Seaching</a:t>
+            </a:r>
+            <a:r>
+              <a:rPr lang="en-US" sz="1400" dirty="0">
+                <a:latin typeface="Courier New" panose="02070309020205020404" pitchFamily="49" charset="0"/>
+                <a:cs typeface="Courier New" panose="02070309020205020404" pitchFamily="49" charset="0"/>
+              </a:rPr>
+              <a:t> for C-a-p-t-a-</a:t>
+            </a:r>
+            <a:r>
+              <a:rPr lang="en-US" sz="1400" dirty="0" err="1">
+                <a:latin typeface="Courier New" panose="02070309020205020404" pitchFamily="49" charset="0"/>
+                <a:cs typeface="Courier New" panose="02070309020205020404" pitchFamily="49" charset="0"/>
+              </a:rPr>
+              <a:t>i</a:t>
+            </a:r>
+            <a:r>
+              <a:rPr lang="en-US" sz="1400" dirty="0">
+                <a:latin typeface="Courier New" panose="02070309020205020404" pitchFamily="49" charset="0"/>
+                <a:cs typeface="Courier New" panose="02070309020205020404" pitchFamily="49" charset="0"/>
+              </a:rPr>
+              <a:t>-n (270-9-1):</a:t>
+            </a:r>
+          </a:p>
+          <a:p>
+            <a:r>
+              <a:rPr lang="en-US" sz="1400" b="1" dirty="0">
+                <a:latin typeface="Courier New" panose="02070309020205020404" pitchFamily="49" charset="0"/>
+                <a:cs typeface="Courier New" panose="02070309020205020404" pitchFamily="49" charset="0"/>
+              </a:rPr>
+              <a:t>   Found C-a-p-t-a-</a:t>
+            </a:r>
+            <a:r>
+              <a:rPr lang="en-US" sz="1400" b="1" dirty="0" err="1">
+                <a:latin typeface="Courier New" panose="02070309020205020404" pitchFamily="49" charset="0"/>
+                <a:cs typeface="Courier New" panose="02070309020205020404" pitchFamily="49" charset="0"/>
+              </a:rPr>
+              <a:t>i</a:t>
+            </a:r>
+            <a:r>
+              <a:rPr lang="en-US" sz="1400" b="1" dirty="0">
+                <a:latin typeface="Courier New" panose="02070309020205020404" pitchFamily="49" charset="0"/>
+                <a:cs typeface="Courier New" panose="02070309020205020404" pitchFamily="49" charset="0"/>
+              </a:rPr>
+              <a:t>-n (278-24-2) </a:t>
+            </a:r>
+            <a:r>
+              <a:rPr lang="en-US" sz="1400" b="1" dirty="0" err="1">
+                <a:latin typeface="Courier New" panose="02070309020205020404" pitchFamily="49" charset="0"/>
+                <a:cs typeface="Courier New" panose="02070309020205020404" pitchFamily="49" charset="0"/>
+              </a:rPr>
+              <a:t>dissimilarityIndex</a:t>
+            </a:r>
+            <a:r>
+              <a:rPr lang="en-US" sz="1400" b="1" dirty="0">
+                <a:latin typeface="Courier New" panose="02070309020205020404" pitchFamily="49" charset="0"/>
+                <a:cs typeface="Courier New" panose="02070309020205020404" pitchFamily="49" charset="0"/>
+              </a:rPr>
+              <a:t>=206709.</a:t>
+            </a:r>
+          </a:p>
+          <a:p>
+            <a:r>
+              <a:rPr lang="en-US" sz="1400" b="1" dirty="0">
+                <a:latin typeface="Courier New" panose="02070309020205020404" pitchFamily="49" charset="0"/>
+                <a:cs typeface="Courier New" panose="02070309020205020404" pitchFamily="49" charset="0"/>
+              </a:rPr>
+              <a:t>   Found C-a-p-t-a-</a:t>
+            </a:r>
+            <a:r>
+              <a:rPr lang="en-US" sz="1400" b="1" dirty="0" err="1">
+                <a:latin typeface="Courier New" panose="02070309020205020404" pitchFamily="49" charset="0"/>
+                <a:cs typeface="Courier New" panose="02070309020205020404" pitchFamily="49" charset="0"/>
+              </a:rPr>
+              <a:t>i</a:t>
+            </a:r>
+            <a:r>
+              <a:rPr lang="en-US" sz="1400" b="1" dirty="0">
+                <a:latin typeface="Courier New" panose="02070309020205020404" pitchFamily="49" charset="0"/>
+                <a:cs typeface="Courier New" panose="02070309020205020404" pitchFamily="49" charset="0"/>
+              </a:rPr>
+              <a:t>-n (276-19-8) </a:t>
+            </a:r>
+            <a:r>
+              <a:rPr lang="en-US" sz="1400" b="1" dirty="0" err="1">
+                <a:latin typeface="Courier New" panose="02070309020205020404" pitchFamily="49" charset="0"/>
+                <a:cs typeface="Courier New" panose="02070309020205020404" pitchFamily="49" charset="0"/>
+              </a:rPr>
+              <a:t>dissimilarityIndex</a:t>
+            </a:r>
+            <a:r>
+              <a:rPr lang="en-US" sz="1400" b="1" dirty="0">
+                <a:latin typeface="Courier New" panose="02070309020205020404" pitchFamily="49" charset="0"/>
+                <a:cs typeface="Courier New" panose="02070309020205020404" pitchFamily="49" charset="0"/>
+              </a:rPr>
+              <a:t>=210098.</a:t>
+            </a:r>
+          </a:p>
+          <a:p>
+            <a:r>
+              <a:rPr lang="en-US" sz="1400" b="1" dirty="0">
+                <a:latin typeface="Courier New" panose="02070309020205020404" pitchFamily="49" charset="0"/>
+                <a:cs typeface="Courier New" panose="02070309020205020404" pitchFamily="49" charset="0"/>
+              </a:rPr>
+              <a:t>   Found C-a-p-t-a-</a:t>
+            </a:r>
+            <a:r>
+              <a:rPr lang="en-US" sz="1400" b="1" dirty="0" err="1">
+                <a:latin typeface="Courier New" panose="02070309020205020404" pitchFamily="49" charset="0"/>
+                <a:cs typeface="Courier New" panose="02070309020205020404" pitchFamily="49" charset="0"/>
+              </a:rPr>
+              <a:t>i</a:t>
+            </a:r>
+            <a:r>
+              <a:rPr lang="en-US" sz="1400" b="1" dirty="0">
+                <a:latin typeface="Courier New" panose="02070309020205020404" pitchFamily="49" charset="0"/>
+                <a:cs typeface="Courier New" panose="02070309020205020404" pitchFamily="49" charset="0"/>
+              </a:rPr>
+              <a:t>-n (279-19-5) </a:t>
+            </a:r>
+            <a:r>
+              <a:rPr lang="en-US" sz="1400" b="1" dirty="0" err="1">
+                <a:latin typeface="Courier New" panose="02070309020205020404" pitchFamily="49" charset="0"/>
+                <a:cs typeface="Courier New" panose="02070309020205020404" pitchFamily="49" charset="0"/>
+              </a:rPr>
+              <a:t>dissimilarityIndex</a:t>
+            </a:r>
+            <a:r>
+              <a:rPr lang="en-US" sz="1400" b="1" dirty="0">
+                <a:latin typeface="Courier New" panose="02070309020205020404" pitchFamily="49" charset="0"/>
+                <a:cs typeface="Courier New" panose="02070309020205020404" pitchFamily="49" charset="0"/>
+              </a:rPr>
+              <a:t>=230343.</a:t>
+            </a:r>
+          </a:p>
+          <a:p>
+            <a:r>
+              <a:rPr lang="en-US" sz="1400" b="1" dirty="0">
+                <a:latin typeface="Courier New" panose="02070309020205020404" pitchFamily="49" charset="0"/>
+                <a:cs typeface="Courier New" panose="02070309020205020404" pitchFamily="49" charset="0"/>
+              </a:rPr>
+              <a:t>   Found C-a-p-t-a-</a:t>
+            </a:r>
+            <a:r>
+              <a:rPr lang="en-US" sz="1400" b="1" dirty="0" err="1">
+                <a:latin typeface="Courier New" panose="02070309020205020404" pitchFamily="49" charset="0"/>
+                <a:cs typeface="Courier New" panose="02070309020205020404" pitchFamily="49" charset="0"/>
+              </a:rPr>
+              <a:t>i</a:t>
+            </a:r>
+            <a:r>
+              <a:rPr lang="en-US" sz="1400" b="1" dirty="0">
+                <a:latin typeface="Courier New" panose="02070309020205020404" pitchFamily="49" charset="0"/>
+                <a:cs typeface="Courier New" panose="02070309020205020404" pitchFamily="49" charset="0"/>
+              </a:rPr>
+              <a:t>-n-s (274-30-9) </a:t>
+            </a:r>
+            <a:r>
+              <a:rPr lang="en-US" sz="1400" b="1" dirty="0" err="1">
+                <a:latin typeface="Courier New" panose="02070309020205020404" pitchFamily="49" charset="0"/>
+                <a:cs typeface="Courier New" panose="02070309020205020404" pitchFamily="49" charset="0"/>
+              </a:rPr>
+              <a:t>dissimilarityIndex</a:t>
+            </a:r>
+            <a:r>
+              <a:rPr lang="en-US" sz="1400" b="1" dirty="0">
+                <a:latin typeface="Courier New" panose="02070309020205020404" pitchFamily="49" charset="0"/>
+                <a:cs typeface="Courier New" panose="02070309020205020404" pitchFamily="49" charset="0"/>
+              </a:rPr>
+              <a:t>=244219.</a:t>
+            </a:r>
+          </a:p>
+          <a:p>
+            <a:r>
+              <a:rPr lang="en-US" sz="1400" b="1" dirty="0">
+                <a:latin typeface="Courier New" panose="02070309020205020404" pitchFamily="49" charset="0"/>
+                <a:cs typeface="Courier New" panose="02070309020205020404" pitchFamily="49" charset="0"/>
+              </a:rPr>
+              <a:t>   Found C-a-p-t-a-</a:t>
+            </a:r>
+            <a:r>
+              <a:rPr lang="en-US" sz="1400" b="1" dirty="0" err="1">
+                <a:latin typeface="Courier New" panose="02070309020205020404" pitchFamily="49" charset="0"/>
+                <a:cs typeface="Courier New" panose="02070309020205020404" pitchFamily="49" charset="0"/>
+              </a:rPr>
+              <a:t>i</a:t>
+            </a:r>
+            <a:r>
+              <a:rPr lang="en-US" sz="1400" b="1" dirty="0">
+                <a:latin typeface="Courier New" panose="02070309020205020404" pitchFamily="49" charset="0"/>
+                <a:cs typeface="Courier New" panose="02070309020205020404" pitchFamily="49" charset="0"/>
+              </a:rPr>
+              <a:t>-n (271-6-1) </a:t>
+            </a:r>
+            <a:r>
+              <a:rPr lang="en-US" sz="1400" b="1" dirty="0" err="1">
+                <a:latin typeface="Courier New" panose="02070309020205020404" pitchFamily="49" charset="0"/>
+                <a:cs typeface="Courier New" panose="02070309020205020404" pitchFamily="49" charset="0"/>
+              </a:rPr>
+              <a:t>dissimilarityIndex</a:t>
+            </a:r>
+            <a:r>
+              <a:rPr lang="en-US" sz="1400" b="1" dirty="0">
+                <a:latin typeface="Courier New" panose="02070309020205020404" pitchFamily="49" charset="0"/>
+                <a:cs typeface="Courier New" panose="02070309020205020404" pitchFamily="49" charset="0"/>
+              </a:rPr>
+              <a:t>=260546.</a:t>
+            </a:r>
+          </a:p>
+          <a:p>
+            <a:r>
+              <a:rPr lang="en-US" sz="1400" b="1" dirty="0">
+                <a:latin typeface="Courier New" panose="02070309020205020404" pitchFamily="49" charset="0"/>
+                <a:cs typeface="Courier New" panose="02070309020205020404" pitchFamily="49" charset="0"/>
+              </a:rPr>
+              <a:t>   Found C-a-p-t-a-</a:t>
+            </a:r>
+            <a:r>
+              <a:rPr lang="en-US" sz="1400" b="1" dirty="0" err="1">
+                <a:latin typeface="Courier New" panose="02070309020205020404" pitchFamily="49" charset="0"/>
+                <a:cs typeface="Courier New" panose="02070309020205020404" pitchFamily="49" charset="0"/>
+              </a:rPr>
+              <a:t>i</a:t>
+            </a:r>
+            <a:r>
+              <a:rPr lang="en-US" sz="1400" b="1" dirty="0">
+                <a:latin typeface="Courier New" panose="02070309020205020404" pitchFamily="49" charset="0"/>
+                <a:cs typeface="Courier New" panose="02070309020205020404" pitchFamily="49" charset="0"/>
+              </a:rPr>
+              <a:t>-n (275-32-6) </a:t>
+            </a:r>
+            <a:r>
+              <a:rPr lang="en-US" sz="1400" b="1" dirty="0" err="1">
+                <a:latin typeface="Courier New" panose="02070309020205020404" pitchFamily="49" charset="0"/>
+                <a:cs typeface="Courier New" panose="02070309020205020404" pitchFamily="49" charset="0"/>
+              </a:rPr>
+              <a:t>dissimilarityIndex</a:t>
+            </a:r>
+            <a:r>
+              <a:rPr lang="en-US" sz="1400" b="1" dirty="0">
+                <a:latin typeface="Courier New" panose="02070309020205020404" pitchFamily="49" charset="0"/>
+                <a:cs typeface="Courier New" panose="02070309020205020404" pitchFamily="49" charset="0"/>
+              </a:rPr>
+              <a:t>=263295.</a:t>
+            </a:r>
+          </a:p>
+          <a:p>
+            <a:r>
+              <a:rPr lang="en-US" sz="1400" dirty="0">
+                <a:latin typeface="Courier New" panose="02070309020205020404" pitchFamily="49" charset="0"/>
+                <a:cs typeface="Courier New" panose="02070309020205020404" pitchFamily="49" charset="0"/>
+              </a:rPr>
+              <a:t>   Found C-o-o-p-e-r-s (275-34-10) </a:t>
+            </a:r>
+            <a:r>
+              <a:rPr lang="en-US" sz="1400" dirty="0" err="1">
+                <a:latin typeface="Courier New" panose="02070309020205020404" pitchFamily="49" charset="0"/>
+                <a:cs typeface="Courier New" panose="02070309020205020404" pitchFamily="49" charset="0"/>
+              </a:rPr>
+              <a:t>dissimilarityIndex</a:t>
+            </a:r>
+            <a:r>
+              <a:rPr lang="en-US" sz="1400" dirty="0">
+                <a:latin typeface="Courier New" panose="02070309020205020404" pitchFamily="49" charset="0"/>
+                <a:cs typeface="Courier New" panose="02070309020205020404" pitchFamily="49" charset="0"/>
+              </a:rPr>
+              <a:t>=319705.</a:t>
+            </a:r>
+          </a:p>
+          <a:p>
+            <a:r>
+              <a:rPr lang="en-US" sz="1400" dirty="0">
+                <a:latin typeface="Courier New" panose="02070309020205020404" pitchFamily="49" charset="0"/>
+                <a:cs typeface="Courier New" panose="02070309020205020404" pitchFamily="49" charset="0"/>
+              </a:rPr>
+              <a:t>   Found C-o-m-p-a-n-</a:t>
+            </a:r>
+            <a:r>
+              <a:rPr lang="en-US" sz="1400" dirty="0" err="1">
+                <a:latin typeface="Courier New" panose="02070309020205020404" pitchFamily="49" charset="0"/>
+                <a:cs typeface="Courier New" panose="02070309020205020404" pitchFamily="49" charset="0"/>
+              </a:rPr>
+              <a:t>i</a:t>
+            </a:r>
+            <a:r>
+              <a:rPr lang="en-US" sz="1400" dirty="0">
+                <a:latin typeface="Courier New" panose="02070309020205020404" pitchFamily="49" charset="0"/>
+                <a:cs typeface="Courier New" panose="02070309020205020404" pitchFamily="49" charset="0"/>
+              </a:rPr>
+              <a:t>-e-s (270-7-6) </a:t>
+            </a:r>
+            <a:r>
+              <a:rPr lang="en-US" sz="1400" dirty="0" err="1">
+                <a:latin typeface="Courier New" panose="02070309020205020404" pitchFamily="49" charset="0"/>
+                <a:cs typeface="Courier New" panose="02070309020205020404" pitchFamily="49" charset="0"/>
+              </a:rPr>
+              <a:t>dissimilarityIndex</a:t>
+            </a:r>
+            <a:r>
+              <a:rPr lang="en-US" sz="1400" dirty="0">
+                <a:latin typeface="Courier New" panose="02070309020205020404" pitchFamily="49" charset="0"/>
+                <a:cs typeface="Courier New" panose="02070309020205020404" pitchFamily="49" charset="0"/>
+              </a:rPr>
+              <a:t>=346017.</a:t>
+            </a:r>
+          </a:p>
+          <a:p>
+            <a:r>
+              <a:rPr lang="en-US" sz="1400" dirty="0">
+                <a:latin typeface="Courier New" panose="02070309020205020404" pitchFamily="49" charset="0"/>
+                <a:cs typeface="Courier New" panose="02070309020205020404" pitchFamily="49" charset="0"/>
+              </a:rPr>
+              <a:t>   Found H-e-d-g-e-m-a-n-</a:t>
+            </a:r>
+            <a:r>
+              <a:rPr lang="en-US" sz="1400" dirty="0" err="1">
+                <a:latin typeface="Courier New" panose="02070309020205020404" pitchFamily="49" charset="0"/>
+                <a:cs typeface="Courier New" panose="02070309020205020404" pitchFamily="49" charset="0"/>
+              </a:rPr>
+              <a:t>s_cm</a:t>
+            </a:r>
+            <a:r>
+              <a:rPr lang="en-US" sz="1400" dirty="0">
+                <a:latin typeface="Courier New" panose="02070309020205020404" pitchFamily="49" charset="0"/>
+                <a:cs typeface="Courier New" panose="02070309020205020404" pitchFamily="49" charset="0"/>
+              </a:rPr>
+              <a:t> (276-24-3) </a:t>
+            </a:r>
+            <a:r>
+              <a:rPr lang="en-US" sz="1400" dirty="0" err="1">
+                <a:latin typeface="Courier New" panose="02070309020205020404" pitchFamily="49" charset="0"/>
+                <a:cs typeface="Courier New" panose="02070309020205020404" pitchFamily="49" charset="0"/>
+              </a:rPr>
+              <a:t>dissimilarityIndex</a:t>
+            </a:r>
+            <a:r>
+              <a:rPr lang="en-US" sz="1400" dirty="0">
+                <a:latin typeface="Courier New" panose="02070309020205020404" pitchFamily="49" charset="0"/>
+                <a:cs typeface="Courier New" panose="02070309020205020404" pitchFamily="49" charset="0"/>
+              </a:rPr>
+              <a:t>=348728.</a:t>
+            </a:r>
+          </a:p>
+        </p:txBody>
+      </p:sp>
+    </p:spTree>
+    <p:extLst>
+      <p:ext uri="{BB962C8B-B14F-4D97-AF65-F5344CB8AC3E}">
+        <p14:creationId xmlns:p14="http://schemas.microsoft.com/office/powerpoint/2010/main" val="1649717685"/>
+      </p:ext>
+    </p:extLst>
+  </p:cSld>
+  <p:clrMapOvr>
+    <a:masterClrMapping/>
+  </p:clrMapOvr>
+</p:sld>
+</file>
+
+<file path=ppt/slides/slide11.xml><?xml version="1.0" encoding="utf-8"?>
+<p:sld xmlns:a="http://schemas.openxmlformats.org/drawingml/2006/main" xmlns:r="http://schemas.openxmlformats.org/officeDocument/2006/relationships" xmlns:p="http://schemas.openxmlformats.org/presentationml/2006/main">
+  <p:cSld>
+    <p:spTree>
+      <p:nvGrpSpPr>
+        <p:cNvPr id="1" name=""/>
+        <p:cNvGrpSpPr/>
+        <p:nvPr/>
+      </p:nvGrpSpPr>
+      <p:grpSpPr>
+        <a:xfrm>
+          <a:off x="0" y="0"/>
+          <a:ext cx="0" cy="0"/>
+          <a:chOff x="0" y="0"/>
+          <a:chExt cx="0" cy="0"/>
+        </a:xfrm>
+      </p:grpSpPr>
+      <p:sp>
+        <p:nvSpPr>
+          <p:cNvPr id="2" name="Titel 1">
+            <a:extLst>
+              <a:ext uri="{FF2B5EF4-FFF2-40B4-BE49-F238E27FC236}">
+                <a16:creationId xmlns:a16="http://schemas.microsoft.com/office/drawing/2014/main" id="{881A966C-72E2-435F-8C88-99AF36E1CD12}"/>
+              </a:ext>
+            </a:extLst>
+          </p:cNvPr>
+          <p:cNvSpPr txBox="1">
+            <a:spLocks noGrp="1"/>
+          </p:cNvSpPr>
+          <p:nvPr>
+            <p:ph type="title" idx="4294967295"/>
+          </p:nvPr>
+        </p:nvSpPr>
+        <p:spPr/>
+        <p:txBody>
+          <a:bodyPr/>
+          <a:lstStyle/>
+          <a:p>
+            <a:pPr lvl="0"/>
+            <a:r>
+              <a:rPr lang="en-US" dirty="0"/>
+              <a:t>Results</a:t>
+            </a:r>
+          </a:p>
+        </p:txBody>
+      </p:sp>
+      <p:pic>
+        <p:nvPicPr>
+          <p:cNvPr id="6" name="Grafik 5">
+            <a:extLst>
+              <a:ext uri="{FF2B5EF4-FFF2-40B4-BE49-F238E27FC236}">
+                <a16:creationId xmlns:a16="http://schemas.microsoft.com/office/drawing/2014/main" id="{835734C7-410A-4340-A5AF-E97E886317B2}"/>
+              </a:ext>
+            </a:extLst>
+          </p:cNvPr>
+          <p:cNvPicPr>
+            <a:picLocks noChangeAspect="1"/>
+          </p:cNvPicPr>
+          <p:nvPr/>
+        </p:nvPicPr>
+        <p:blipFill>
+          <a:blip r:embed="rId3"/>
+          <a:stretch>
+            <a:fillRect/>
+          </a:stretch>
+        </p:blipFill>
+        <p:spPr>
+          <a:xfrm>
+            <a:off x="2162499" y="1403349"/>
+            <a:ext cx="6383013" cy="5855006"/>
+          </a:xfrm>
+          <a:prstGeom prst="rect">
+            <a:avLst/>
+          </a:prstGeom>
+        </p:spPr>
+      </p:pic>
+    </p:spTree>
+    <p:extLst>
+      <p:ext uri="{BB962C8B-B14F-4D97-AF65-F5344CB8AC3E}">
+        <p14:creationId xmlns:p14="http://schemas.microsoft.com/office/powerpoint/2010/main" val="364342482"/>
+      </p:ext>
+    </p:extLst>
+  </p:cSld>
+  <p:clrMapOvr>
+    <a:masterClrMapping/>
+  </p:clrMapOvr>
+</p:sld>
+</file>
+
+<file path=ppt/slides/slide12.xml><?xml version="1.0" encoding="utf-8"?>
+<p:sld xmlns:a="http://schemas.openxmlformats.org/drawingml/2006/main" xmlns:r="http://schemas.openxmlformats.org/officeDocument/2006/relationships" xmlns:p="http://schemas.openxmlformats.org/presentationml/2006/main">
+  <p:cSld>
+    <p:spTree>
+      <p:nvGrpSpPr>
+        <p:cNvPr id="1" name=""/>
+        <p:cNvGrpSpPr/>
+        <p:nvPr/>
+      </p:nvGrpSpPr>
+      <p:grpSpPr>
+        <a:xfrm>
+          <a:off x="0" y="0"/>
+          <a:ext cx="0" cy="0"/>
+          <a:chOff x="0" y="0"/>
+          <a:chExt cx="0" cy="0"/>
+        </a:xfrm>
+      </p:grpSpPr>
+      <p:sp>
+        <p:nvSpPr>
+          <p:cNvPr id="2" name="Titel 1">
+            <a:extLst>
+              <a:ext uri="{FF2B5EF4-FFF2-40B4-BE49-F238E27FC236}">
+                <a16:creationId xmlns:a16="http://schemas.microsoft.com/office/drawing/2014/main" id="{881A966C-72E2-435F-8C88-99AF36E1CD12}"/>
+              </a:ext>
+            </a:extLst>
+          </p:cNvPr>
+          <p:cNvSpPr txBox="1">
+            <a:spLocks noGrp="1"/>
+          </p:cNvSpPr>
+          <p:nvPr>
+            <p:ph type="title" idx="4294967295"/>
+          </p:nvPr>
+        </p:nvSpPr>
+        <p:spPr/>
+        <p:txBody>
+          <a:bodyPr/>
+          <a:lstStyle/>
+          <a:p>
+            <a:pPr lvl="0"/>
+            <a:r>
+              <a:rPr lang="en-US" dirty="0"/>
+              <a:t>Results</a:t>
+            </a:r>
+          </a:p>
+        </p:txBody>
+      </p:sp>
+      <p:sp>
+        <p:nvSpPr>
+          <p:cNvPr id="3" name="Textplatzhalter 2">
+            <a:extLst>
+              <a:ext uri="{FF2B5EF4-FFF2-40B4-BE49-F238E27FC236}">
+                <a16:creationId xmlns:a16="http://schemas.microsoft.com/office/drawing/2014/main" id="{B46C215E-DCC1-4BE4-A754-094902847F75}"/>
+              </a:ext>
+            </a:extLst>
+          </p:cNvPr>
+          <p:cNvSpPr txBox="1">
+            <a:spLocks noGrp="1"/>
+          </p:cNvSpPr>
+          <p:nvPr>
+            <p:ph type="body" idx="4294967295"/>
+          </p:nvPr>
+        </p:nvSpPr>
+        <p:spPr>
+          <a:xfrm>
+            <a:off x="503999" y="1769039"/>
+            <a:ext cx="9071640" cy="4960373"/>
+          </a:xfrm>
+        </p:spPr>
+        <p:txBody>
+          <a:bodyPr/>
+          <a:lstStyle/>
+          <a:p>
+            <a:pPr marL="457200" indent="-457200">
+              <a:buFontTx/>
+              <a:buChar char="-"/>
+            </a:pPr>
+            <a:r>
+              <a:rPr lang="de-CH" dirty="0"/>
+              <a:t>Number.txt:</a:t>
+            </a:r>
+          </a:p>
+          <a:p>
+            <a:endParaRPr lang="de-CH" dirty="0"/>
+          </a:p>
+          <a:p>
+            <a:r>
+              <a:rPr lang="en-US" dirty="0"/>
+              <a:t>28 0 153 0 12 228 8 0 0 0 31 6 0 122 2 0 39 0 0 83 3 0 108 142 40 524 0 13 497 977 3 13 0 3 754 32 9 138 750 0 0 0 7 70 27 646 4 0 4</a:t>
+            </a:r>
+            <a:endParaRPr lang="de-CH" dirty="0"/>
+          </a:p>
+        </p:txBody>
+      </p:sp>
+    </p:spTree>
+    <p:extLst>
+      <p:ext uri="{BB962C8B-B14F-4D97-AF65-F5344CB8AC3E}">
+        <p14:creationId xmlns:p14="http://schemas.microsoft.com/office/powerpoint/2010/main" val="1884136999"/>
+      </p:ext>
+    </p:extLst>
+  </p:cSld>
+  <p:clrMapOvr>
+    <a:masterClrMapping/>
+  </p:clrMapOvr>
+</p:sld>
+</file>
+
+<file path=ppt/slides/slide13.xml><?xml version="1.0" encoding="utf-8"?>
+<p:sld xmlns:a="http://schemas.openxmlformats.org/drawingml/2006/main" xmlns:r="http://schemas.openxmlformats.org/officeDocument/2006/relationships" xmlns:p="http://schemas.openxmlformats.org/presentationml/2006/main">
+  <p:cSld>
+    <p:spTree>
+      <p:nvGrpSpPr>
+        <p:cNvPr id="1" name=""/>
+        <p:cNvGrpSpPr/>
+        <p:nvPr/>
+      </p:nvGrpSpPr>
+      <p:grpSpPr>
+        <a:xfrm>
+          <a:off x="0" y="0"/>
+          <a:ext cx="0" cy="0"/>
+          <a:chOff x="0" y="0"/>
+          <a:chExt cx="0" cy="0"/>
+        </a:xfrm>
+      </p:grpSpPr>
+      <p:sp>
+        <p:nvSpPr>
+          <p:cNvPr id="2" name="Titel 1">
+            <a:extLst>
+              <a:ext uri="{FF2B5EF4-FFF2-40B4-BE49-F238E27FC236}">
+                <a16:creationId xmlns:a16="http://schemas.microsoft.com/office/drawing/2014/main" id="{881A966C-72E2-435F-8C88-99AF36E1CD12}"/>
+              </a:ext>
+            </a:extLst>
+          </p:cNvPr>
+          <p:cNvSpPr txBox="1">
+            <a:spLocks noGrp="1"/>
+          </p:cNvSpPr>
+          <p:nvPr>
+            <p:ph type="title" idx="4294967295"/>
+          </p:nvPr>
+        </p:nvSpPr>
+        <p:spPr/>
+        <p:txBody>
+          <a:bodyPr/>
+          <a:lstStyle/>
+          <a:p>
+            <a:pPr lvl="0"/>
+            <a:r>
+              <a:rPr lang="en-US" dirty="0"/>
+              <a:t>Conclusion</a:t>
+            </a:r>
+          </a:p>
+        </p:txBody>
+      </p:sp>
+      <p:sp>
+        <p:nvSpPr>
+          <p:cNvPr id="3" name="Textplatzhalter 2">
+            <a:extLst>
+              <a:ext uri="{FF2B5EF4-FFF2-40B4-BE49-F238E27FC236}">
+                <a16:creationId xmlns:a16="http://schemas.microsoft.com/office/drawing/2014/main" id="{B46C215E-DCC1-4BE4-A754-094902847F75}"/>
+              </a:ext>
+            </a:extLst>
+          </p:cNvPr>
+          <p:cNvSpPr txBox="1">
+            <a:spLocks noGrp="1"/>
+          </p:cNvSpPr>
+          <p:nvPr>
+            <p:ph type="body" idx="4294967295"/>
+          </p:nvPr>
+        </p:nvSpPr>
+        <p:spPr>
+          <a:xfrm>
+            <a:off x="503999" y="1769039"/>
+            <a:ext cx="9071640" cy="4960373"/>
+          </a:xfrm>
+        </p:spPr>
+        <p:txBody>
+          <a:bodyPr/>
+          <a:lstStyle/>
+          <a:p>
+            <a:pPr marL="457200" indent="-457200">
+              <a:buFontTx/>
+              <a:buChar char="-"/>
+            </a:pPr>
+            <a:r>
+              <a:rPr lang="de-CH" dirty="0"/>
+              <a:t>G. </a:t>
+            </a:r>
+            <a:r>
+              <a:rPr lang="de-CH" dirty="0" err="1"/>
+              <a:t>Washington’s</a:t>
+            </a:r>
+            <a:r>
+              <a:rPr lang="de-CH" dirty="0"/>
+              <a:t> </a:t>
+            </a:r>
+            <a:r>
+              <a:rPr lang="de-CH" dirty="0" err="1"/>
+              <a:t>handwriting</a:t>
+            </a:r>
+            <a:r>
+              <a:rPr lang="de-CH" dirty="0"/>
+              <a:t> </a:t>
+            </a:r>
+            <a:r>
+              <a:rPr lang="de-CH" dirty="0" err="1"/>
+              <a:t>could</a:t>
+            </a:r>
+            <a:r>
+              <a:rPr lang="de-CH" dirty="0"/>
+              <a:t> </a:t>
+            </a:r>
+            <a:r>
+              <a:rPr lang="de-CH" dirty="0" err="1"/>
+              <a:t>be</a:t>
+            </a:r>
+            <a:r>
+              <a:rPr lang="de-CH" dirty="0"/>
+              <a:t> </a:t>
+            </a:r>
+            <a:r>
+              <a:rPr lang="de-CH" dirty="0" err="1"/>
+              <a:t>better</a:t>
+            </a:r>
+            <a:r>
+              <a:rPr lang="de-CH" dirty="0"/>
+              <a:t>.</a:t>
+            </a:r>
+          </a:p>
+        </p:txBody>
+      </p:sp>
+    </p:spTree>
+    <p:extLst>
+      <p:ext uri="{BB962C8B-B14F-4D97-AF65-F5344CB8AC3E}">
+        <p14:creationId xmlns:p14="http://schemas.microsoft.com/office/powerpoint/2010/main" val="2191993074"/>
+      </p:ext>
+    </p:extLst>
   </p:cSld>
   <p:clrMapOvr>
     <a:masterClrMapping/>
@@ -4974,12 +6525,55 @@
             </a:pPr>
             <a:r>
               <a:rPr lang="de-CH" dirty="0" err="1"/>
-              <a:t>Preprocessing</a:t>
+              <a:t>Implemented</a:t>
             </a:r>
             <a:r>
               <a:rPr lang="de-CH" dirty="0"/>
-              <a:t>:</a:t>
-            </a:r>
+              <a:t> on </a:t>
+            </a:r>
+            <a:r>
+              <a:rPr lang="de-CH" dirty="0" err="1"/>
+              <a:t>plain</a:t>
+            </a:r>
+            <a:r>
+              <a:rPr lang="de-CH" dirty="0"/>
+              <a:t> C# w/o </a:t>
+            </a:r>
+            <a:r>
+              <a:rPr lang="de-CH" dirty="0" err="1"/>
+              <a:t>libraries</a:t>
+            </a:r>
+            <a:endParaRPr lang="de-CH" dirty="0"/>
+          </a:p>
+          <a:p>
+            <a:endParaRPr lang="de-CH" dirty="0"/>
+          </a:p>
+          <a:p>
+            <a:pPr marL="457200" indent="-457200">
+              <a:buFontTx/>
+              <a:buChar char="-"/>
+            </a:pPr>
+            <a:r>
+              <a:rPr lang="de-CH" dirty="0" err="1"/>
+              <a:t>Structure</a:t>
+            </a:r>
+            <a:r>
+              <a:rPr lang="de-CH" dirty="0"/>
+              <a:t> </a:t>
+            </a:r>
+            <a:r>
+              <a:rPr lang="de-CH" dirty="0" err="1"/>
+              <a:t>of</a:t>
+            </a:r>
+            <a:r>
+              <a:rPr lang="de-CH" dirty="0"/>
+              <a:t> </a:t>
+            </a:r>
+            <a:r>
+              <a:rPr lang="de-CH" dirty="0" err="1"/>
+              <a:t>solution</a:t>
+            </a:r>
+            <a:endParaRPr lang="de-CH" dirty="0"/>
           </a:p>
           <a:p>
             <a:pPr marL="1143000" lvl="1" indent="-457200">
@@ -4987,8 +6581,12 @@
               <a:buChar char="-"/>
             </a:pPr>
             <a:r>
+              <a:rPr lang="de-CH" dirty="0"/>
+              <a:t>SVG </a:t>
+            </a:r>
+            <a:r>
               <a:rPr lang="de-CH" dirty="0" err="1"/>
-              <a:t>Binarize</a:t>
+              <a:t>parsing</a:t>
             </a:r>
             <a:endParaRPr lang="de-CH" dirty="0"/>
           </a:p>
@@ -4999,12 +6597,57 @@
             </a:pPr>
             <a:r>
               <a:rPr lang="de-CH" dirty="0" err="1"/>
+              <a:t>Pre-processing</a:t>
+            </a:r>
+            <a:endParaRPr lang="de-CH" dirty="0"/>
+          </a:p>
+          <a:p>
+            <a:pPr marL="1600200" lvl="2" indent="-457200">
+              <a:buFontTx/>
+              <a:buChar char="-"/>
+            </a:pPr>
+            <a:r>
+              <a:rPr lang="de-CH" dirty="0" err="1"/>
+              <a:t>Binarize</a:t>
+            </a:r>
+            <a:endParaRPr lang="de-CH" dirty="0"/>
+          </a:p>
+          <a:p>
+            <a:pPr marL="1600200" lvl="2" indent="-457200">
+              <a:buFontTx/>
+              <a:buChar char="-"/>
+            </a:pPr>
+            <a:r>
+              <a:rPr lang="de-CH" dirty="0" err="1"/>
               <a:t>Trim</a:t>
             </a:r>
+            <a:endParaRPr lang="de-CH" dirty="0"/>
+          </a:p>
+          <a:p>
+            <a:pPr marL="1600200" lvl="2" indent="-457200">
+              <a:buFontTx/>
+              <a:buChar char="-"/>
+            </a:pPr>
+            <a:r>
+              <a:rPr lang="de-CH" dirty="0" err="1"/>
+              <a:t>Normalize</a:t>
+            </a:r>
+            <a:endParaRPr lang="de-CH" dirty="0"/>
+          </a:p>
+          <a:p>
+            <a:pPr marL="1600200" lvl="2" indent="-457200">
+              <a:buFontTx/>
+              <a:buChar char="-"/>
+            </a:pPr>
             <a:r>
               <a:rPr lang="de-CH" dirty="0"/>
-              <a:t> </a:t>
-            </a:r>
+              <a:t>Feature </a:t>
+            </a:r>
+            <a:r>
+              <a:rPr lang="de-CH" dirty="0" err="1"/>
+              <a:t>selection</a:t>
+            </a:r>
+            <a:endParaRPr lang="de-CH" dirty="0"/>
           </a:p>
           <a:p>
             <a:pPr marL="1143000" lvl="1" indent="-457200">
@@ -5012,8 +6655,26 @@
               <a:buChar char="-"/>
             </a:pPr>
             <a:r>
+              <a:rPr lang="de-CH" dirty="0"/>
+              <a:t>DTW</a:t>
+            </a:r>
+          </a:p>
+          <a:p>
+            <a:pPr marL="1143000" lvl="1" indent="-457200">
+              <a:buFontTx/>
+              <a:buChar char="-"/>
+            </a:pPr>
+            <a:r>
               <a:rPr lang="de-CH" dirty="0" err="1"/>
-              <a:t>Normalize</a:t>
+              <a:t>Printing</a:t>
+            </a:r>
+            <a:r>
+              <a:rPr lang="de-CH" dirty="0"/>
+              <a:t> &amp; </a:t>
+            </a:r>
+            <a:r>
+              <a:rPr lang="de-CH" dirty="0" err="1"/>
+              <a:t>plotting</a:t>
             </a:r>
             <a:r>
               <a:rPr lang="de-CH" dirty="0"/>
@@ -5021,18 +6682,49 @@
             </a:r>
             <a:r>
               <a:rPr lang="de-CH" dirty="0" err="1"/>
-              <a:t>size</a:t>
-            </a:r>
-            <a:r>
-              <a:rPr lang="de-CH" dirty="0"/>
-              <a:t> 80 x 200</a:t>
-            </a:r>
-          </a:p>
-          <a:p>
+              <a:t>results</a:t>
+            </a:r>
+            <a:endParaRPr lang="de-CH" dirty="0"/>
+          </a:p>
+          <a:p>
+            <a:pPr marL="1600200" lvl="2" indent="-457200">
+              <a:buFontTx/>
+              <a:buChar char="-"/>
+            </a:pPr>
             <a:endParaRPr lang="en-US" dirty="0"/>
           </a:p>
         </p:txBody>
       </p:sp>
+      <p:pic>
+        <p:nvPicPr>
+          <p:cNvPr id="4" name="Grafik 3">
+            <a:extLst>
+              <a:ext uri="{FF2B5EF4-FFF2-40B4-BE49-F238E27FC236}">
+                <a16:creationId xmlns:a16="http://schemas.microsoft.com/office/drawing/2014/main" id="{33C6B696-9688-479C-A2C7-1EAA95340854}"/>
+              </a:ext>
+            </a:extLst>
+          </p:cNvPr>
+          <p:cNvPicPr>
+            <a:picLocks noChangeAspect="1"/>
+          </p:cNvPicPr>
+          <p:nvPr/>
+        </p:nvPicPr>
+        <p:blipFill>
+          <a:blip r:embed="rId3"/>
+          <a:stretch>
+            <a:fillRect/>
+          </a:stretch>
+        </p:blipFill>
+        <p:spPr>
+          <a:xfrm>
+            <a:off x="5430158" y="2293937"/>
+            <a:ext cx="4145481" cy="1763714"/>
+          </a:xfrm>
+          <a:prstGeom prst="rect">
+            <a:avLst/>
+          </a:prstGeom>
+        </p:spPr>
+      </p:pic>
     </p:spTree>
   </p:cSld>
   <p:clrMapOvr>
@@ -5043,7 +6735,7 @@
 
 <file path=ppt/slides/slide3.xml><?xml version="1.0" encoding="utf-8"?>
 <p:sld xmlns:a="http://schemas.openxmlformats.org/drawingml/2006/main" xmlns:r="http://schemas.openxmlformats.org/officeDocument/2006/relationships" xmlns:p="http://schemas.openxmlformats.org/presentationml/2006/main">
-  <p:cSld name="page3">
+  <p:cSld>
     <p:spTree>
       <p:nvGrpSpPr>
         <p:cNvPr id="1" name=""/>
@@ -5063,7 +6755,7 @@
           <p:cNvPr id="2" name="Titel 1">
             <a:extLst>
               <a:ext uri="{FF2B5EF4-FFF2-40B4-BE49-F238E27FC236}">
-                <a16:creationId xmlns:a16="http://schemas.microsoft.com/office/drawing/2014/main" id="{CC44A84B-A8EE-4808-84E4-0ABB51E2D5AB}"/>
+                <a16:creationId xmlns:a16="http://schemas.microsoft.com/office/drawing/2014/main" id="{881A966C-72E2-435F-8C88-99AF36E1CD12}"/>
               </a:ext>
             </a:extLst>
           </p:cNvPr>
@@ -5082,7 +6774,7 @@
             <a:pPr lvl="0"/>
             <a:r>
               <a:rPr lang="en-US" dirty="0"/>
-              <a:t>Training</a:t>
+              <a:t>SVG parsing</a:t>
             </a:r>
           </a:p>
         </p:txBody>
@@ -5092,7 +6784,7 @@
           <p:cNvPr id="3" name="Textplatzhalter 2">
             <a:extLst>
               <a:ext uri="{FF2B5EF4-FFF2-40B4-BE49-F238E27FC236}">
-                <a16:creationId xmlns:a16="http://schemas.microsoft.com/office/drawing/2014/main" id="{53DEC8A0-C278-4ECC-AC9D-29E8286C2B63}"/>
+                <a16:creationId xmlns:a16="http://schemas.microsoft.com/office/drawing/2014/main" id="{B46C215E-DCC1-4BE4-A754-094902847F75}"/>
               </a:ext>
             </a:extLst>
           </p:cNvPr>
@@ -5108,110 +6800,50 @@
           <a:bodyPr/>
           <a:lstStyle/>
           <a:p>
+            <a:pPr marL="1600200" lvl="2" indent="-457200">
+              <a:buFontTx/>
+              <a:buChar char="-"/>
+            </a:pPr>
             <a:endParaRPr lang="en-US" dirty="0"/>
           </a:p>
         </p:txBody>
       </p:sp>
-      <p:sp>
-        <p:nvSpPr>
-          <p:cNvPr id="15" name="Textfeld 14">
-            <a:extLst>
-              <a:ext uri="{FF2B5EF4-FFF2-40B4-BE49-F238E27FC236}">
-                <a16:creationId xmlns:a16="http://schemas.microsoft.com/office/drawing/2014/main" id="{9F1945A0-5287-4649-9C42-CFEAC6F58016}"/>
-              </a:ext>
-            </a:extLst>
-          </p:cNvPr>
-          <p:cNvSpPr txBox="1"/>
+      <p:pic>
+        <p:nvPicPr>
+          <p:cNvPr id="4" name="Grafik 3">
+            <a:extLst>
+              <a:ext uri="{FF2B5EF4-FFF2-40B4-BE49-F238E27FC236}">
+                <a16:creationId xmlns:a16="http://schemas.microsoft.com/office/drawing/2014/main" id="{153C9EAE-9D9B-4140-9AAE-954994EC921B}"/>
+              </a:ext>
+            </a:extLst>
+          </p:cNvPr>
+          <p:cNvPicPr>
+            <a:picLocks noChangeAspect="1"/>
+          </p:cNvPicPr>
           <p:nvPr/>
-        </p:nvSpPr>
+        </p:nvPicPr>
+        <p:blipFill>
+          <a:blip r:embed="rId3"/>
+          <a:stretch>
+            <a:fillRect/>
+          </a:stretch>
+        </p:blipFill>
         <p:spPr>
           <a:xfrm>
-            <a:off x="2514606" y="2586032"/>
-            <a:ext cx="5443537" cy="2554545"/>
+            <a:off x="1371600" y="1327412"/>
+            <a:ext cx="7843839" cy="5930943"/>
           </a:xfrm>
           <a:prstGeom prst="rect">
             <a:avLst/>
           </a:prstGeom>
-          <a:solidFill>
-            <a:srgbClr val="FFC000"/>
-          </a:solidFill>
         </p:spPr>
-        <p:txBody>
-          <a:bodyPr wrap="square" rtlCol="0">
-            <a:spAutoFit/>
-          </a:bodyPr>
-          <a:lstStyle/>
-          <a:p>
-            <a:r>
-              <a:rPr lang="en-US" sz="2000" dirty="0"/>
-              <a:t># make predictions</a:t>
-            </a:r>
-          </a:p>
-          <a:p>
-            <a:r>
-              <a:rPr lang="en-US" sz="2000" b="1" dirty="0"/>
-              <a:t>outputs = </a:t>
-            </a:r>
-            <a:r>
-              <a:rPr lang="en-US" sz="2000" b="1" dirty="0" err="1"/>
-              <a:t>mlp.forward</a:t>
-            </a:r>
-            <a:r>
-              <a:rPr lang="en-US" sz="2000" b="1" dirty="0"/>
-              <a:t>(images)</a:t>
-            </a:r>
-          </a:p>
-          <a:p>
-            <a:r>
-              <a:rPr lang="de-CH" sz="2000" dirty="0"/>
-              <a:t>#</a:t>
-            </a:r>
-            <a:r>
-              <a:rPr lang="en-US" sz="2000" dirty="0"/>
-              <a:t> calculate loss</a:t>
-            </a:r>
-          </a:p>
-          <a:p>
-            <a:r>
-              <a:rPr lang="en-US" sz="2000" b="1" dirty="0"/>
-              <a:t>loss = criterion(outputs, labels)</a:t>
-            </a:r>
-          </a:p>
-          <a:p>
-            <a:r>
-              <a:rPr lang="en-US" sz="2000" dirty="0"/>
-              <a:t># calculate gradients</a:t>
-            </a:r>
-          </a:p>
-          <a:p>
-            <a:r>
-              <a:rPr lang="en-US" sz="2000" b="1" dirty="0" err="1"/>
-              <a:t>loss.backward</a:t>
-            </a:r>
-            <a:r>
-              <a:rPr lang="en-US" sz="2000" b="1" dirty="0"/>
-              <a:t>()</a:t>
-            </a:r>
-          </a:p>
-          <a:p>
-            <a:r>
-              <a:rPr lang="en-US" sz="2000" dirty="0"/>
-              <a:t># update weights in MLP {w_11,…w_n1}</a:t>
-            </a:r>
-          </a:p>
-          <a:p>
-            <a:r>
-              <a:rPr lang="en-US" sz="2000" b="1" dirty="0" err="1"/>
-              <a:t>optimizer.step</a:t>
-            </a:r>
-            <a:r>
-              <a:rPr lang="en-US" sz="2000" b="1" dirty="0"/>
-              <a:t>()</a:t>
-            </a:r>
-          </a:p>
-        </p:txBody>
-      </p:sp>
+      </p:pic>
     </p:spTree>
+    <p:extLst>
+      <p:ext uri="{BB962C8B-B14F-4D97-AF65-F5344CB8AC3E}">
+        <p14:creationId xmlns:p14="http://schemas.microsoft.com/office/powerpoint/2010/main" val="3643332375"/>
+      </p:ext>
+    </p:extLst>
   </p:cSld>
   <p:clrMapOvr>
     <a:masterClrMapping/>
@@ -5221,7 +6853,7 @@
 
 <file path=ppt/slides/slide4.xml><?xml version="1.0" encoding="utf-8"?>
 <p:sld xmlns:a="http://schemas.openxmlformats.org/drawingml/2006/main" xmlns:r="http://schemas.openxmlformats.org/officeDocument/2006/relationships" xmlns:p="http://schemas.openxmlformats.org/presentationml/2006/main">
-  <p:cSld name="page4">
+  <p:cSld>
     <p:spTree>
       <p:nvGrpSpPr>
         <p:cNvPr id="1" name=""/>
@@ -5241,7 +6873,7 @@
           <p:cNvPr id="2" name="Titel 1">
             <a:extLst>
               <a:ext uri="{FF2B5EF4-FFF2-40B4-BE49-F238E27FC236}">
-                <a16:creationId xmlns:a16="http://schemas.microsoft.com/office/drawing/2014/main" id="{72F47945-815C-4AB6-AE89-875511953FC1}"/>
+                <a16:creationId xmlns:a16="http://schemas.microsoft.com/office/drawing/2014/main" id="{881A966C-72E2-435F-8C88-99AF36E1CD12}"/>
               </a:ext>
             </a:extLst>
           </p:cNvPr>
@@ -5257,9 +6889,22 @@
           <a:bodyPr/>
           <a:lstStyle/>
           <a:p>
+            <a:pPr lvl="0"/>
+            <a:r>
+              <a:rPr lang="de-CH" dirty="0"/>
+              <a:t>(</a:t>
+            </a:r>
             <a:r>
               <a:rPr lang="de-CH" dirty="0" err="1"/>
-              <a:t>hyperparameter</a:t>
+              <a:t>aside</a:t>
+            </a:r>
+            <a:r>
+              <a:rPr lang="de-CH" dirty="0"/>
+              <a:t>: all </a:t>
+            </a:r>
+            <a:r>
+              <a:rPr lang="de-CH" dirty="0" err="1"/>
+              <a:t>by</a:t>
             </a:r>
             <a:r>
               <a:rPr lang="de-CH" dirty="0"/>
@@ -5267,11 +6912,11 @@
             </a:r>
             <a:r>
               <a:rPr lang="de-CH" dirty="0" err="1"/>
-              <a:t>opt</a:t>
+              <a:t>hand</a:t>
             </a:r>
             <a:r>
               <a:rPr lang="de-CH" dirty="0"/>
-              <a:t>.</a:t>
+              <a:t>)</a:t>
             </a:r>
             <a:endParaRPr lang="en-US" dirty="0"/>
           </a:p>
@@ -5282,7 +6927,7 @@
           <p:cNvPr id="3" name="Textplatzhalter 2">
             <a:extLst>
               <a:ext uri="{FF2B5EF4-FFF2-40B4-BE49-F238E27FC236}">
-                <a16:creationId xmlns:a16="http://schemas.microsoft.com/office/drawing/2014/main" id="{4AFED4C7-531A-47E8-8CA7-3185D6238390}"/>
+                <a16:creationId xmlns:a16="http://schemas.microsoft.com/office/drawing/2014/main" id="{B46C215E-DCC1-4BE4-A754-094902847F75}"/>
               </a:ext>
             </a:extLst>
           </p:cNvPr>
@@ -5298,369 +6943,50 @@
           <a:bodyPr/>
           <a:lstStyle/>
           <a:p>
-            <a:pPr marL="457200" indent="-457200">
+            <a:pPr marL="1600200" lvl="2" indent="-457200">
               <a:buFontTx/>
               <a:buChar char="-"/>
             </a:pPr>
-            <a:r>
-              <a:rPr lang="de-CH" dirty="0"/>
-              <a:t>#</a:t>
-            </a:r>
-            <a:r>
-              <a:rPr lang="de-CH" dirty="0" err="1"/>
-              <a:t>epochs</a:t>
-            </a:r>
-            <a:r>
-              <a:rPr lang="de-CH" dirty="0"/>
-              <a:t>, #</a:t>
-            </a:r>
-            <a:r>
-              <a:rPr lang="de-CH" dirty="0" err="1"/>
-              <a:t>hidden</a:t>
-            </a:r>
-            <a:r>
-              <a:rPr lang="de-CH" dirty="0"/>
-              <a:t> </a:t>
-            </a:r>
-            <a:r>
-              <a:rPr lang="de-CH" dirty="0" err="1"/>
-              <a:t>neurons</a:t>
-            </a:r>
-            <a:r>
-              <a:rPr lang="de-CH" dirty="0"/>
-              <a:t>, </a:t>
-            </a:r>
-            <a:r>
-              <a:rPr lang="de-CH" dirty="0" err="1"/>
-              <a:t>learning</a:t>
-            </a:r>
-            <a:r>
-              <a:rPr lang="de-CH" dirty="0"/>
-              <a:t> rate</a:t>
-            </a:r>
-          </a:p>
-        </p:txBody>
-      </p:sp>
-      <p:sp>
-        <p:nvSpPr>
-          <p:cNvPr id="7" name="Textfeld 6">
-            <a:extLst>
-              <a:ext uri="{FF2B5EF4-FFF2-40B4-BE49-F238E27FC236}">
-                <a16:creationId xmlns:a16="http://schemas.microsoft.com/office/drawing/2014/main" id="{090D06C1-7375-492C-A288-0E3395AF7295}"/>
-              </a:ext>
-            </a:extLst>
-          </p:cNvPr>
-          <p:cNvSpPr txBox="1"/>
+            <a:endParaRPr lang="en-US" dirty="0"/>
+          </a:p>
+        </p:txBody>
+      </p:sp>
+      <p:pic>
+        <p:nvPicPr>
+          <p:cNvPr id="5" name="Grafik 4">
+            <a:extLst>
+              <a:ext uri="{FF2B5EF4-FFF2-40B4-BE49-F238E27FC236}">
+                <a16:creationId xmlns:a16="http://schemas.microsoft.com/office/drawing/2014/main" id="{01141DB6-5FD0-4964-85AC-16BC9D2519D4}"/>
+              </a:ext>
+            </a:extLst>
+          </p:cNvPr>
+          <p:cNvPicPr>
+            <a:picLocks noChangeAspect="1"/>
+          </p:cNvPicPr>
           <p:nvPr/>
-        </p:nvSpPr>
+        </p:nvPicPr>
+        <p:blipFill>
+          <a:blip r:embed="rId3"/>
+          <a:stretch>
+            <a:fillRect/>
+          </a:stretch>
+        </p:blipFill>
         <p:spPr>
           <a:xfrm>
-            <a:off x="614365" y="2771781"/>
-            <a:ext cx="8886826" cy="3170099"/>
+            <a:off x="1387431" y="1406195"/>
+            <a:ext cx="7599465" cy="5508955"/>
           </a:xfrm>
           <a:prstGeom prst="rect">
             <a:avLst/>
           </a:prstGeom>
-          <a:solidFill>
-            <a:srgbClr val="FFC000"/>
-          </a:solidFill>
         </p:spPr>
-        <p:txBody>
-          <a:bodyPr wrap="square" rtlCol="0">
-            <a:spAutoFit/>
-          </a:bodyPr>
-          <a:lstStyle/>
-          <a:p>
-            <a:r>
-              <a:rPr lang="sv-SE" sz="2000" b="1" dirty="0">
-                <a:latin typeface="Courier New" panose="02070309020205020404" pitchFamily="49" charset="0"/>
-                <a:cs typeface="Courier New" panose="02070309020205020404" pitchFamily="49" charset="0"/>
-              </a:rPr>
-              <a:t>EPOCH_values </a:t>
-            </a:r>
-            <a:r>
-              <a:rPr lang="sv-SE" sz="2000" dirty="0">
-                <a:latin typeface="Courier New" panose="02070309020205020404" pitchFamily="49" charset="0"/>
-                <a:cs typeface="Courier New" panose="02070309020205020404" pitchFamily="49" charset="0"/>
-              </a:rPr>
-              <a:t>=</a:t>
-            </a:r>
-            <a:r>
-              <a:rPr lang="sv-SE" sz="2000" b="1" dirty="0">
-                <a:latin typeface="Courier New" panose="02070309020205020404" pitchFamily="49" charset="0"/>
-                <a:cs typeface="Courier New" panose="02070309020205020404" pitchFamily="49" charset="0"/>
-              </a:rPr>
-              <a:t> </a:t>
-            </a:r>
-            <a:r>
-              <a:rPr lang="sv-SE" sz="2000" dirty="0">
-                <a:latin typeface="Courier New" panose="02070309020205020404" pitchFamily="49" charset="0"/>
-                <a:cs typeface="Courier New" panose="02070309020205020404" pitchFamily="49" charset="0"/>
-              </a:rPr>
-              <a:t>[5, 10, 20]</a:t>
-            </a:r>
-            <a:endParaRPr lang="pt-BR" sz="2000" dirty="0">
-              <a:latin typeface="Courier New" panose="02070309020205020404" pitchFamily="49" charset="0"/>
-              <a:cs typeface="Courier New" panose="02070309020205020404" pitchFamily="49" charset="0"/>
-            </a:endParaRPr>
-          </a:p>
-          <a:p>
-            <a:r>
-              <a:rPr lang="pt-BR" sz="2000" b="1" dirty="0">
-                <a:latin typeface="Courier New" panose="02070309020205020404" pitchFamily="49" charset="0"/>
-                <a:cs typeface="Courier New" panose="02070309020205020404" pitchFamily="49" charset="0"/>
-              </a:rPr>
-              <a:t>H_values     </a:t>
-            </a:r>
-            <a:r>
-              <a:rPr lang="pt-BR" sz="2000" dirty="0">
-                <a:latin typeface="Courier New" panose="02070309020205020404" pitchFamily="49" charset="0"/>
-                <a:cs typeface="Courier New" panose="02070309020205020404" pitchFamily="49" charset="0"/>
-              </a:rPr>
-              <a:t>=</a:t>
-            </a:r>
-            <a:r>
-              <a:rPr lang="pt-BR" sz="2000" b="1" dirty="0">
-                <a:latin typeface="Courier New" panose="02070309020205020404" pitchFamily="49" charset="0"/>
-                <a:cs typeface="Courier New" panose="02070309020205020404" pitchFamily="49" charset="0"/>
-              </a:rPr>
-              <a:t> </a:t>
-            </a:r>
-            <a:r>
-              <a:rPr lang="pt-BR" sz="2000" dirty="0">
-                <a:latin typeface="Courier New" panose="02070309020205020404" pitchFamily="49" charset="0"/>
-                <a:cs typeface="Courier New" panose="02070309020205020404" pitchFamily="49" charset="0"/>
-              </a:rPr>
-              <a:t>[16, 32, 64, 128, 256]</a:t>
-            </a:r>
-          </a:p>
-          <a:p>
-            <a:r>
-              <a:rPr lang="en-US" sz="2000" b="1" dirty="0" err="1">
-                <a:latin typeface="Courier New" panose="02070309020205020404" pitchFamily="49" charset="0"/>
-                <a:cs typeface="Courier New" panose="02070309020205020404" pitchFamily="49" charset="0"/>
-              </a:rPr>
-              <a:t>LR_values</a:t>
-            </a:r>
-            <a:r>
-              <a:rPr lang="en-US" sz="2000" b="1" dirty="0">
-                <a:latin typeface="Courier New" panose="02070309020205020404" pitchFamily="49" charset="0"/>
-                <a:cs typeface="Courier New" panose="02070309020205020404" pitchFamily="49" charset="0"/>
-              </a:rPr>
-              <a:t>    </a:t>
-            </a:r>
-            <a:r>
-              <a:rPr lang="en-US" sz="2000" dirty="0">
-                <a:latin typeface="Courier New" panose="02070309020205020404" pitchFamily="49" charset="0"/>
-                <a:cs typeface="Courier New" panose="02070309020205020404" pitchFamily="49" charset="0"/>
-              </a:rPr>
-              <a:t>=</a:t>
-            </a:r>
-            <a:r>
-              <a:rPr lang="en-US" sz="2000" b="1" dirty="0">
-                <a:latin typeface="Courier New" panose="02070309020205020404" pitchFamily="49" charset="0"/>
-                <a:cs typeface="Courier New" panose="02070309020205020404" pitchFamily="49" charset="0"/>
-              </a:rPr>
-              <a:t> </a:t>
-            </a:r>
-            <a:r>
-              <a:rPr lang="en-US" sz="2000" dirty="0">
-                <a:latin typeface="Courier New" panose="02070309020205020404" pitchFamily="49" charset="0"/>
-                <a:cs typeface="Courier New" panose="02070309020205020404" pitchFamily="49" charset="0"/>
-              </a:rPr>
-              <a:t>[1, 0.5, 0.1, 0.01]</a:t>
-            </a:r>
-            <a:endParaRPr lang="de-CH" sz="2000" dirty="0">
-              <a:latin typeface="Courier New" panose="02070309020205020404" pitchFamily="49" charset="0"/>
-              <a:cs typeface="Courier New" panose="02070309020205020404" pitchFamily="49" charset="0"/>
-            </a:endParaRPr>
-          </a:p>
-          <a:p>
-            <a:endParaRPr lang="en-US" sz="2000" b="1" dirty="0">
-              <a:latin typeface="Courier New" panose="02070309020205020404" pitchFamily="49" charset="0"/>
-              <a:cs typeface="Courier New" panose="02070309020205020404" pitchFamily="49" charset="0"/>
-            </a:endParaRPr>
-          </a:p>
-          <a:p>
-            <a:r>
-              <a:rPr lang="en-US" sz="2000" b="1" dirty="0">
-                <a:latin typeface="Courier New" panose="02070309020205020404" pitchFamily="49" charset="0"/>
-                <a:cs typeface="Courier New" panose="02070309020205020404" pitchFamily="49" charset="0"/>
-              </a:rPr>
-              <a:t>for</a:t>
-            </a:r>
-            <a:r>
-              <a:rPr lang="en-US" sz="2000" dirty="0">
-                <a:latin typeface="Courier New" panose="02070309020205020404" pitchFamily="49" charset="0"/>
-                <a:cs typeface="Courier New" panose="02070309020205020404" pitchFamily="49" charset="0"/>
-              </a:rPr>
-              <a:t> </a:t>
-            </a:r>
-            <a:r>
-              <a:rPr lang="en-US" sz="2000" dirty="0" err="1">
-                <a:latin typeface="Courier New" panose="02070309020205020404" pitchFamily="49" charset="0"/>
-                <a:cs typeface="Courier New" panose="02070309020205020404" pitchFamily="49" charset="0"/>
-              </a:rPr>
-              <a:t>num_epochs</a:t>
-            </a:r>
-            <a:r>
-              <a:rPr lang="en-US" sz="2000" dirty="0">
-                <a:latin typeface="Courier New" panose="02070309020205020404" pitchFamily="49" charset="0"/>
-                <a:cs typeface="Courier New" panose="02070309020205020404" pitchFamily="49" charset="0"/>
-              </a:rPr>
-              <a:t> in </a:t>
-            </a:r>
-            <a:r>
-              <a:rPr lang="en-US" sz="2000" b="1" dirty="0" err="1">
-                <a:latin typeface="Courier New" panose="02070309020205020404" pitchFamily="49" charset="0"/>
-                <a:cs typeface="Courier New" panose="02070309020205020404" pitchFamily="49" charset="0"/>
-              </a:rPr>
-              <a:t>EPOCH_values</a:t>
-            </a:r>
-            <a:r>
-              <a:rPr lang="en-US" sz="2000" dirty="0">
-                <a:latin typeface="Courier New" panose="02070309020205020404" pitchFamily="49" charset="0"/>
-                <a:cs typeface="Courier New" panose="02070309020205020404" pitchFamily="49" charset="0"/>
-              </a:rPr>
-              <a:t>:</a:t>
-            </a:r>
-          </a:p>
-          <a:p>
-            <a:r>
-              <a:rPr lang="en-US" sz="2000" dirty="0">
-                <a:latin typeface="Courier New" panose="02070309020205020404" pitchFamily="49" charset="0"/>
-                <a:cs typeface="Courier New" panose="02070309020205020404" pitchFamily="49" charset="0"/>
-              </a:rPr>
-              <a:t>   </a:t>
-            </a:r>
-            <a:r>
-              <a:rPr lang="en-US" sz="2000" b="1" dirty="0">
-                <a:latin typeface="Courier New" panose="02070309020205020404" pitchFamily="49" charset="0"/>
-                <a:cs typeface="Courier New" panose="02070309020205020404" pitchFamily="49" charset="0"/>
-              </a:rPr>
-              <a:t>for</a:t>
-            </a:r>
-            <a:r>
-              <a:rPr lang="en-US" sz="2000" dirty="0">
-                <a:latin typeface="Courier New" panose="02070309020205020404" pitchFamily="49" charset="0"/>
-                <a:cs typeface="Courier New" panose="02070309020205020404" pitchFamily="49" charset="0"/>
-              </a:rPr>
-              <a:t> </a:t>
-            </a:r>
-            <a:r>
-              <a:rPr lang="en-US" sz="2000" dirty="0" err="1">
-                <a:latin typeface="Courier New" panose="02070309020205020404" pitchFamily="49" charset="0"/>
-                <a:cs typeface="Courier New" panose="02070309020205020404" pitchFamily="49" charset="0"/>
-              </a:rPr>
-              <a:t>hidden_size</a:t>
-            </a:r>
-            <a:r>
-              <a:rPr lang="en-US" sz="2000" dirty="0">
-                <a:latin typeface="Courier New" panose="02070309020205020404" pitchFamily="49" charset="0"/>
-                <a:cs typeface="Courier New" panose="02070309020205020404" pitchFamily="49" charset="0"/>
-              </a:rPr>
-              <a:t> in </a:t>
-            </a:r>
-            <a:r>
-              <a:rPr lang="en-US" sz="2000" b="1" dirty="0" err="1">
-                <a:latin typeface="Courier New" panose="02070309020205020404" pitchFamily="49" charset="0"/>
-                <a:cs typeface="Courier New" panose="02070309020205020404" pitchFamily="49" charset="0"/>
-              </a:rPr>
-              <a:t>H_values</a:t>
-            </a:r>
-            <a:r>
-              <a:rPr lang="en-US" sz="2000" dirty="0">
-                <a:latin typeface="Courier New" panose="02070309020205020404" pitchFamily="49" charset="0"/>
-                <a:cs typeface="Courier New" panose="02070309020205020404" pitchFamily="49" charset="0"/>
-              </a:rPr>
-              <a:t>:</a:t>
-            </a:r>
-          </a:p>
-          <a:p>
-            <a:r>
-              <a:rPr lang="en-US" sz="2000" dirty="0">
-                <a:latin typeface="Courier New" panose="02070309020205020404" pitchFamily="49" charset="0"/>
-                <a:cs typeface="Courier New" panose="02070309020205020404" pitchFamily="49" charset="0"/>
-              </a:rPr>
-              <a:t>      </a:t>
-            </a:r>
-            <a:r>
-              <a:rPr lang="en-US" sz="2000" b="1" dirty="0">
-                <a:latin typeface="Courier New" panose="02070309020205020404" pitchFamily="49" charset="0"/>
-                <a:cs typeface="Courier New" panose="02070309020205020404" pitchFamily="49" charset="0"/>
-              </a:rPr>
-              <a:t>for</a:t>
-            </a:r>
-            <a:r>
-              <a:rPr lang="en-US" sz="2000" dirty="0">
-                <a:latin typeface="Courier New" panose="02070309020205020404" pitchFamily="49" charset="0"/>
-                <a:cs typeface="Courier New" panose="02070309020205020404" pitchFamily="49" charset="0"/>
-              </a:rPr>
-              <a:t> </a:t>
-            </a:r>
-            <a:r>
-              <a:rPr lang="en-US" sz="2000" dirty="0" err="1">
-                <a:latin typeface="Courier New" panose="02070309020205020404" pitchFamily="49" charset="0"/>
-                <a:cs typeface="Courier New" panose="02070309020205020404" pitchFamily="49" charset="0"/>
-              </a:rPr>
-              <a:t>learning_rate</a:t>
-            </a:r>
-            <a:r>
-              <a:rPr lang="en-US" sz="2000" dirty="0">
-                <a:latin typeface="Courier New" panose="02070309020205020404" pitchFamily="49" charset="0"/>
-                <a:cs typeface="Courier New" panose="02070309020205020404" pitchFamily="49" charset="0"/>
-              </a:rPr>
-              <a:t> in </a:t>
-            </a:r>
-            <a:r>
-              <a:rPr lang="en-US" sz="2000" b="1" dirty="0" err="1">
-                <a:latin typeface="Courier New" panose="02070309020205020404" pitchFamily="49" charset="0"/>
-                <a:cs typeface="Courier New" panose="02070309020205020404" pitchFamily="49" charset="0"/>
-              </a:rPr>
-              <a:t>LR_values</a:t>
-            </a:r>
-            <a:r>
-              <a:rPr lang="en-US" sz="2000" dirty="0">
-                <a:latin typeface="Courier New" panose="02070309020205020404" pitchFamily="49" charset="0"/>
-                <a:cs typeface="Courier New" panose="02070309020205020404" pitchFamily="49" charset="0"/>
-              </a:rPr>
-              <a:t>:</a:t>
-            </a:r>
-          </a:p>
-          <a:p>
-            <a:r>
-              <a:rPr lang="de-CH" sz="2000" dirty="0">
-                <a:latin typeface="Courier New" panose="02070309020205020404" pitchFamily="49" charset="0"/>
-                <a:cs typeface="Courier New" panose="02070309020205020404" pitchFamily="49" charset="0"/>
-              </a:rPr>
-              <a:t> </a:t>
-            </a:r>
-            <a:r>
-              <a:rPr lang="en-US" sz="2000" dirty="0">
-                <a:latin typeface="Courier New" panose="02070309020205020404" pitchFamily="49" charset="0"/>
-                <a:cs typeface="Courier New" panose="02070309020205020404" pitchFamily="49" charset="0"/>
-              </a:rPr>
-              <a:t>        # train MLP…</a:t>
-            </a:r>
-          </a:p>
-          <a:p>
-            <a:r>
-              <a:rPr lang="en-US" sz="2000" dirty="0">
-                <a:latin typeface="Courier New" panose="02070309020205020404" pitchFamily="49" charset="0"/>
-                <a:cs typeface="Courier New" panose="02070309020205020404" pitchFamily="49" charset="0"/>
-              </a:rPr>
-              <a:t>         # calculate error rate on training + test set…</a:t>
-            </a:r>
-          </a:p>
-          <a:p>
-            <a:endParaRPr lang="en-US" sz="2000" dirty="0">
-              <a:latin typeface="Courier New" panose="02070309020205020404" pitchFamily="49" charset="0"/>
-              <a:cs typeface="Courier New" panose="02070309020205020404" pitchFamily="49" charset="0"/>
-            </a:endParaRPr>
-          </a:p>
-        </p:txBody>
-      </p:sp>
+      </p:pic>
     </p:spTree>
+    <p:extLst>
+      <p:ext uri="{BB962C8B-B14F-4D97-AF65-F5344CB8AC3E}">
+        <p14:creationId xmlns:p14="http://schemas.microsoft.com/office/powerpoint/2010/main" val="999513407"/>
+      </p:ext>
+    </p:extLst>
   </p:cSld>
   <p:clrMapOvr>
     <a:masterClrMapping/>
@@ -5670,7 +6996,7 @@
 
 <file path=ppt/slides/slide5.xml><?xml version="1.0" encoding="utf-8"?>
 <p:sld xmlns:a="http://schemas.openxmlformats.org/drawingml/2006/main" xmlns:r="http://schemas.openxmlformats.org/officeDocument/2006/relationships" xmlns:p="http://schemas.openxmlformats.org/presentationml/2006/main">
-  <p:cSld name="page5">
+  <p:cSld>
     <p:spTree>
       <p:nvGrpSpPr>
         <p:cNvPr id="1" name=""/>
@@ -5690,7 +7016,7 @@
           <p:cNvPr id="2" name="Titel 1">
             <a:extLst>
               <a:ext uri="{FF2B5EF4-FFF2-40B4-BE49-F238E27FC236}">
-                <a16:creationId xmlns:a16="http://schemas.microsoft.com/office/drawing/2014/main" id="{E1ADB5F6-FBBC-4595-8AD7-E8F96901EFE4}"/>
+                <a16:creationId xmlns:a16="http://schemas.microsoft.com/office/drawing/2014/main" id="{881A966C-72E2-435F-8C88-99AF36E1CD12}"/>
               </a:ext>
             </a:extLst>
           </p:cNvPr>
@@ -5708,328 +7034,57 @@
           <a:p>
             <a:pPr lvl="0"/>
             <a:r>
-              <a:rPr lang="en-US" dirty="0"/>
-              <a:t>Results</a:t>
-            </a:r>
-          </a:p>
-        </p:txBody>
-      </p:sp>
-      <p:sp>
-        <p:nvSpPr>
-          <p:cNvPr id="9" name="Textfeld 8">
-            <a:extLst>
-              <a:ext uri="{FF2B5EF4-FFF2-40B4-BE49-F238E27FC236}">
-                <a16:creationId xmlns:a16="http://schemas.microsoft.com/office/drawing/2014/main" id="{A5323A0C-152B-49FA-A3C5-40BC78ECF29D}"/>
-              </a:ext>
-            </a:extLst>
-          </p:cNvPr>
-          <p:cNvSpPr txBox="1"/>
+              <a:rPr lang="de-CH" dirty="0" err="1"/>
+              <a:t>Pre-processing</a:t>
+            </a:r>
+            <a:r>
+              <a:rPr lang="de-CH" dirty="0"/>
+              <a:t> (1): </a:t>
+            </a:r>
+            <a:r>
+              <a:rPr lang="de-CH" dirty="0" err="1"/>
+              <a:t>Binarize</a:t>
+            </a:r>
+            <a:endParaRPr lang="en-US" dirty="0"/>
+          </a:p>
+        </p:txBody>
+      </p:sp>
+      <p:pic>
+        <p:nvPicPr>
+          <p:cNvPr id="4" name="Grafik 3">
+            <a:extLst>
+              <a:ext uri="{FF2B5EF4-FFF2-40B4-BE49-F238E27FC236}">
+                <a16:creationId xmlns:a16="http://schemas.microsoft.com/office/drawing/2014/main" id="{90299D86-0473-40E2-9405-25C010D29835}"/>
+              </a:ext>
+            </a:extLst>
+          </p:cNvPr>
+          <p:cNvPicPr>
+            <a:picLocks noChangeAspect="1"/>
+          </p:cNvPicPr>
           <p:nvPr/>
-        </p:nvSpPr>
+        </p:nvPicPr>
+        <p:blipFill>
+          <a:blip r:embed="rId3"/>
+          <a:stretch>
+            <a:fillRect/>
+          </a:stretch>
+        </p:blipFill>
         <p:spPr>
           <a:xfrm>
-            <a:off x="185738" y="1971666"/>
-            <a:ext cx="9972602" cy="5601533"/>
+            <a:off x="837445" y="1770060"/>
+            <a:ext cx="8405734" cy="4873627"/>
           </a:xfrm>
           <a:prstGeom prst="rect">
             <a:avLst/>
           </a:prstGeom>
-          <a:noFill/>
         </p:spPr>
-        <p:txBody>
-          <a:bodyPr wrap="none" rtlCol="0">
-            <a:spAutoFit/>
-          </a:bodyPr>
-          <a:lstStyle/>
-          <a:p>
-            <a:r>
-              <a:rPr lang="en-US" sz="2000" b="1" dirty="0">
-                <a:latin typeface="Courier New" panose="02070309020205020404" pitchFamily="49" charset="0"/>
-                <a:cs typeface="Courier New" panose="02070309020205020404" pitchFamily="49" charset="0"/>
-              </a:rPr>
-              <a:t>Best test accuracy found: 0.974</a:t>
-            </a:r>
-          </a:p>
-          <a:p>
-            <a:endParaRPr lang="en-US" sz="2000" b="1" dirty="0">
-              <a:latin typeface="Courier New" panose="02070309020205020404" pitchFamily="49" charset="0"/>
-              <a:cs typeface="Courier New" panose="02070309020205020404" pitchFamily="49" charset="0"/>
-            </a:endParaRPr>
-          </a:p>
-          <a:p>
-            <a:r>
-              <a:rPr lang="en-US" sz="2000" b="1" dirty="0">
-                <a:latin typeface="Courier New" panose="02070309020205020404" pitchFamily="49" charset="0"/>
-                <a:cs typeface="Courier New" panose="02070309020205020404" pitchFamily="49" charset="0"/>
-              </a:rPr>
-              <a:t>NN best parameters: </a:t>
-            </a:r>
-            <a:r>
-              <a:rPr lang="en-US" sz="2000" b="1" dirty="0" err="1">
-                <a:latin typeface="Courier New" panose="02070309020205020404" pitchFamily="49" charset="0"/>
-                <a:cs typeface="Courier New" panose="02070309020205020404" pitchFamily="49" charset="0"/>
-              </a:rPr>
-              <a:t>num_epochs</a:t>
-            </a:r>
-            <a:r>
-              <a:rPr lang="en-US" sz="2000" b="1" dirty="0">
-                <a:latin typeface="Courier New" panose="02070309020205020404" pitchFamily="49" charset="0"/>
-                <a:cs typeface="Courier New" panose="02070309020205020404" pitchFamily="49" charset="0"/>
-              </a:rPr>
-              <a:t>=20, </a:t>
-            </a:r>
-          </a:p>
-          <a:p>
-            <a:r>
-              <a:rPr lang="en-US" sz="2000" b="1" dirty="0">
-                <a:latin typeface="Courier New" panose="02070309020205020404" pitchFamily="49" charset="0"/>
-                <a:cs typeface="Courier New" panose="02070309020205020404" pitchFamily="49" charset="0"/>
-              </a:rPr>
-              <a:t>                    </a:t>
-            </a:r>
-            <a:r>
-              <a:rPr lang="en-US" sz="2000" b="1" dirty="0" err="1">
-                <a:latin typeface="Courier New" panose="02070309020205020404" pitchFamily="49" charset="0"/>
-                <a:cs typeface="Courier New" panose="02070309020205020404" pitchFamily="49" charset="0"/>
-              </a:rPr>
-              <a:t>hidden_size</a:t>
-            </a:r>
-            <a:r>
-              <a:rPr lang="en-US" sz="2000" b="1" dirty="0">
-                <a:latin typeface="Courier New" panose="02070309020205020404" pitchFamily="49" charset="0"/>
-                <a:cs typeface="Courier New" panose="02070309020205020404" pitchFamily="49" charset="0"/>
-              </a:rPr>
-              <a:t>=256, </a:t>
-            </a:r>
-          </a:p>
-          <a:p>
-            <a:r>
-              <a:rPr lang="en-US" sz="2000" b="1" dirty="0">
-                <a:latin typeface="Courier New" panose="02070309020205020404" pitchFamily="49" charset="0"/>
-                <a:cs typeface="Courier New" panose="02070309020205020404" pitchFamily="49" charset="0"/>
-              </a:rPr>
-              <a:t>                    </a:t>
-            </a:r>
-            <a:r>
-              <a:rPr lang="en-US" sz="2000" b="1" dirty="0" err="1">
-                <a:latin typeface="Courier New" panose="02070309020205020404" pitchFamily="49" charset="0"/>
-                <a:cs typeface="Courier New" panose="02070309020205020404" pitchFamily="49" charset="0"/>
-              </a:rPr>
-              <a:t>learning_rate</a:t>
-            </a:r>
-            <a:r>
-              <a:rPr lang="en-US" sz="2000" b="1" dirty="0">
-                <a:latin typeface="Courier New" panose="02070309020205020404" pitchFamily="49" charset="0"/>
-                <a:cs typeface="Courier New" panose="02070309020205020404" pitchFamily="49" charset="0"/>
-              </a:rPr>
-              <a:t>=0.01</a:t>
-            </a:r>
-          </a:p>
-          <a:p>
-            <a:endParaRPr lang="en-US" sz="2000" dirty="0">
-              <a:latin typeface="Courier New" panose="02070309020205020404" pitchFamily="49" charset="0"/>
-              <a:cs typeface="Courier New" panose="02070309020205020404" pitchFamily="49" charset="0"/>
-            </a:endParaRPr>
-          </a:p>
-          <a:p>
-            <a:endParaRPr lang="en-US" sz="2000" dirty="0">
-              <a:latin typeface="Courier New" panose="02070309020205020404" pitchFamily="49" charset="0"/>
-              <a:cs typeface="Courier New" panose="02070309020205020404" pitchFamily="49" charset="0"/>
-            </a:endParaRPr>
-          </a:p>
-          <a:p>
-            <a:r>
-              <a:rPr lang="en-US" dirty="0">
-                <a:latin typeface="Courier New" panose="02070309020205020404" pitchFamily="49" charset="0"/>
-                <a:cs typeface="Courier New" panose="02070309020205020404" pitchFamily="49" charset="0"/>
-              </a:rPr>
-              <a:t>mlp.py --&gt;</a:t>
-            </a:r>
-          </a:p>
-          <a:p>
-            <a:r>
-              <a:rPr lang="en-US" dirty="0">
-                <a:latin typeface="Courier New" panose="02070309020205020404" pitchFamily="49" charset="0"/>
-                <a:cs typeface="Courier New" panose="02070309020205020404" pitchFamily="49" charset="0"/>
-              </a:rPr>
-              <a:t>MNIST training set size:...60000</a:t>
-            </a:r>
-          </a:p>
-          <a:p>
-            <a:r>
-              <a:rPr lang="en-US" dirty="0">
-                <a:latin typeface="Courier New" panose="02070309020205020404" pitchFamily="49" charset="0"/>
-                <a:cs typeface="Courier New" panose="02070309020205020404" pitchFamily="49" charset="0"/>
-              </a:rPr>
-              <a:t>MNIST test set size:.......10000</a:t>
-            </a:r>
-          </a:p>
-          <a:p>
-            <a:r>
-              <a:rPr lang="en-US" dirty="0">
-                <a:latin typeface="Courier New" panose="02070309020205020404" pitchFamily="49" charset="0"/>
-                <a:cs typeface="Courier New" panose="02070309020205020404" pitchFamily="49" charset="0"/>
-              </a:rPr>
-              <a:t>Current NN: </a:t>
-            </a:r>
-            <a:r>
-              <a:rPr lang="en-US" dirty="0" err="1">
-                <a:latin typeface="Courier New" panose="02070309020205020404" pitchFamily="49" charset="0"/>
-                <a:cs typeface="Courier New" panose="02070309020205020404" pitchFamily="49" charset="0"/>
-              </a:rPr>
-              <a:t>num_epochs</a:t>
-            </a:r>
-            <a:r>
-              <a:rPr lang="en-US" dirty="0">
-                <a:latin typeface="Courier New" panose="02070309020205020404" pitchFamily="49" charset="0"/>
-                <a:cs typeface="Courier New" panose="02070309020205020404" pitchFamily="49" charset="0"/>
-              </a:rPr>
-              <a:t>=5, </a:t>
-            </a:r>
-            <a:r>
-              <a:rPr lang="en-US" dirty="0" err="1">
-                <a:latin typeface="Courier New" panose="02070309020205020404" pitchFamily="49" charset="0"/>
-                <a:cs typeface="Courier New" panose="02070309020205020404" pitchFamily="49" charset="0"/>
-              </a:rPr>
-              <a:t>hidden_size</a:t>
-            </a:r>
-            <a:r>
-              <a:rPr lang="en-US" dirty="0">
-                <a:latin typeface="Courier New" panose="02070309020205020404" pitchFamily="49" charset="0"/>
-                <a:cs typeface="Courier New" panose="02070309020205020404" pitchFamily="49" charset="0"/>
-              </a:rPr>
-              <a:t>=16, </a:t>
-            </a:r>
-            <a:r>
-              <a:rPr lang="en-US" dirty="0" err="1">
-                <a:latin typeface="Courier New" panose="02070309020205020404" pitchFamily="49" charset="0"/>
-                <a:cs typeface="Courier New" panose="02070309020205020404" pitchFamily="49" charset="0"/>
-              </a:rPr>
-              <a:t>learning_rate</a:t>
-            </a:r>
-            <a:r>
-              <a:rPr lang="en-US" dirty="0">
-                <a:latin typeface="Courier New" panose="02070309020205020404" pitchFamily="49" charset="0"/>
-                <a:cs typeface="Courier New" panose="02070309020205020404" pitchFamily="49" charset="0"/>
-              </a:rPr>
-              <a:t>=1.000000 </a:t>
-            </a:r>
-          </a:p>
-          <a:p>
-            <a:r>
-              <a:rPr lang="en-US" dirty="0">
-                <a:latin typeface="Courier New" panose="02070309020205020404" pitchFamily="49" charset="0"/>
-                <a:cs typeface="Courier New" panose="02070309020205020404" pitchFamily="49" charset="0"/>
-              </a:rPr>
-              <a:t>    0:00:39.108900 | accuracy train set: 9 % | accuracy test set: 10 %</a:t>
-            </a:r>
-          </a:p>
-          <a:p>
-            <a:endParaRPr lang="en-US" dirty="0">
-              <a:latin typeface="Courier New" panose="02070309020205020404" pitchFamily="49" charset="0"/>
-              <a:cs typeface="Courier New" panose="02070309020205020404" pitchFamily="49" charset="0"/>
-            </a:endParaRPr>
-          </a:p>
-          <a:p>
-            <a:r>
-              <a:rPr lang="de-CH" dirty="0">
-                <a:latin typeface="Courier New" panose="02070309020205020404" pitchFamily="49" charset="0"/>
-                <a:cs typeface="Courier New" panose="02070309020205020404" pitchFamily="49" charset="0"/>
-              </a:rPr>
-              <a:t>...</a:t>
-            </a:r>
-          </a:p>
-          <a:p>
-            <a:r>
-              <a:rPr lang="de-CH" dirty="0">
-                <a:latin typeface="Courier New" panose="02070309020205020404" pitchFamily="49" charset="0"/>
-                <a:cs typeface="Courier New" panose="02070309020205020404" pitchFamily="49" charset="0"/>
-              </a:rPr>
-              <a:t>...</a:t>
-            </a:r>
-            <a:endParaRPr lang="en-US" dirty="0">
-              <a:latin typeface="Courier New" panose="02070309020205020404" pitchFamily="49" charset="0"/>
-              <a:cs typeface="Courier New" panose="02070309020205020404" pitchFamily="49" charset="0"/>
-            </a:endParaRPr>
-          </a:p>
-          <a:p>
-            <a:r>
-              <a:rPr lang="en-US" dirty="0">
-                <a:latin typeface="Courier New" panose="02070309020205020404" pitchFamily="49" charset="0"/>
-                <a:cs typeface="Courier New" panose="02070309020205020404" pitchFamily="49" charset="0"/>
-              </a:rPr>
-              <a:t>Current NN: </a:t>
-            </a:r>
-            <a:r>
-              <a:rPr lang="en-US" dirty="0" err="1">
-                <a:latin typeface="Courier New" panose="02070309020205020404" pitchFamily="49" charset="0"/>
-                <a:cs typeface="Courier New" panose="02070309020205020404" pitchFamily="49" charset="0"/>
-              </a:rPr>
-              <a:t>num_epochs</a:t>
-            </a:r>
-            <a:r>
-              <a:rPr lang="en-US" dirty="0">
-                <a:latin typeface="Courier New" panose="02070309020205020404" pitchFamily="49" charset="0"/>
-                <a:cs typeface="Courier New" panose="02070309020205020404" pitchFamily="49" charset="0"/>
-              </a:rPr>
-              <a:t>=20, </a:t>
-            </a:r>
-            <a:r>
-              <a:rPr lang="en-US" dirty="0" err="1">
-                <a:latin typeface="Courier New" panose="02070309020205020404" pitchFamily="49" charset="0"/>
-                <a:cs typeface="Courier New" panose="02070309020205020404" pitchFamily="49" charset="0"/>
-              </a:rPr>
-              <a:t>hidden_size</a:t>
-            </a:r>
-            <a:r>
-              <a:rPr lang="en-US" dirty="0">
-                <a:latin typeface="Courier New" panose="02070309020205020404" pitchFamily="49" charset="0"/>
-                <a:cs typeface="Courier New" panose="02070309020205020404" pitchFamily="49" charset="0"/>
-              </a:rPr>
-              <a:t>=256, </a:t>
-            </a:r>
-            <a:r>
-              <a:rPr lang="en-US" dirty="0" err="1">
-                <a:latin typeface="Courier New" panose="02070309020205020404" pitchFamily="49" charset="0"/>
-                <a:cs typeface="Courier New" panose="02070309020205020404" pitchFamily="49" charset="0"/>
-              </a:rPr>
-              <a:t>learning_rate</a:t>
-            </a:r>
-            <a:r>
-              <a:rPr lang="en-US" dirty="0">
-                <a:latin typeface="Courier New" panose="02070309020205020404" pitchFamily="49" charset="0"/>
-                <a:cs typeface="Courier New" panose="02070309020205020404" pitchFamily="49" charset="0"/>
-              </a:rPr>
-              <a:t>=0.010000 </a:t>
-            </a:r>
-          </a:p>
-          <a:p>
-            <a:r>
-              <a:rPr lang="en-US" dirty="0">
-                <a:latin typeface="Courier New" panose="02070309020205020404" pitchFamily="49" charset="0"/>
-                <a:cs typeface="Courier New" panose="02070309020205020404" pitchFamily="49" charset="0"/>
-              </a:rPr>
-              <a:t>    0:03:43.498898 | accuracy train set: 99 % | accuracy test set: 97 %</a:t>
-            </a:r>
-          </a:p>
-          <a:p>
-            <a:r>
-              <a:rPr lang="en-US" dirty="0">
-                <a:latin typeface="Courier New" panose="02070309020205020404" pitchFamily="49" charset="0"/>
-                <a:cs typeface="Courier New" panose="02070309020205020404" pitchFamily="49" charset="0"/>
-              </a:rPr>
-              <a:t>mlp.py &lt;--</a:t>
-            </a:r>
-          </a:p>
-          <a:p>
-            <a:endParaRPr lang="en-US" sz="2000" dirty="0">
-              <a:latin typeface="Courier New" panose="02070309020205020404" pitchFamily="49" charset="0"/>
-              <a:cs typeface="Courier New" panose="02070309020205020404" pitchFamily="49" charset="0"/>
-            </a:endParaRPr>
-          </a:p>
-        </p:txBody>
-      </p:sp>
+      </p:pic>
     </p:spTree>
+    <p:extLst>
+      <p:ext uri="{BB962C8B-B14F-4D97-AF65-F5344CB8AC3E}">
+        <p14:creationId xmlns:p14="http://schemas.microsoft.com/office/powerpoint/2010/main" val="213116466"/>
+      </p:ext>
+    </p:extLst>
   </p:cSld>
   <p:clrMapOvr>
     <a:masterClrMapping/>
@@ -6039,7 +7094,7 @@
 
 <file path=ppt/slides/slide6.xml><?xml version="1.0" encoding="utf-8"?>
 <p:sld xmlns:a="http://schemas.openxmlformats.org/drawingml/2006/main" xmlns:r="http://schemas.openxmlformats.org/officeDocument/2006/relationships" xmlns:p="http://schemas.openxmlformats.org/presentationml/2006/main">
-  <p:cSld name="page6">
+  <p:cSld>
     <p:spTree>
       <p:nvGrpSpPr>
         <p:cNvPr id="1" name=""/>
@@ -6059,7 +7114,7 @@
           <p:cNvPr id="2" name="Titel 1">
             <a:extLst>
               <a:ext uri="{FF2B5EF4-FFF2-40B4-BE49-F238E27FC236}">
-                <a16:creationId xmlns:a16="http://schemas.microsoft.com/office/drawing/2014/main" id="{8B58E140-2411-4B22-81A5-C1282C6EAAD2}"/>
+                <a16:creationId xmlns:a16="http://schemas.microsoft.com/office/drawing/2014/main" id="{881A966C-72E2-435F-8C88-99AF36E1CD12}"/>
               </a:ext>
             </a:extLst>
           </p:cNvPr>
@@ -6077,166 +7132,27 @@
           <a:p>
             <a:pPr lvl="0"/>
             <a:r>
-              <a:rPr lang="en-US" dirty="0"/>
-              <a:t>Results cont.</a:t>
-            </a:r>
-          </a:p>
-        </p:txBody>
-      </p:sp>
-      <p:sp>
-        <p:nvSpPr>
-          <p:cNvPr id="3" name="Textplatzhalter 2">
-            <a:extLst>
-              <a:ext uri="{FF2B5EF4-FFF2-40B4-BE49-F238E27FC236}">
-                <a16:creationId xmlns:a16="http://schemas.microsoft.com/office/drawing/2014/main" id="{531C0352-031A-40FB-929B-804C92BCADB7}"/>
-              </a:ext>
-            </a:extLst>
-          </p:cNvPr>
-          <p:cNvSpPr txBox="1">
-            <a:spLocks noGrp="1"/>
-          </p:cNvSpPr>
-          <p:nvPr>
-            <p:ph type="body" idx="4294967295"/>
-          </p:nvPr>
-        </p:nvSpPr>
-        <p:spPr/>
-        <p:txBody>
-          <a:bodyPr/>
-          <a:lstStyle/>
-          <a:p>
-            <a:endParaRPr lang="en-US"/>
-          </a:p>
-        </p:txBody>
-      </p:sp>
-      <p:sp>
-        <p:nvSpPr>
-          <p:cNvPr id="5" name="Gerader Verbinder 4">
-            <a:extLst>
-              <a:ext uri="{FF2B5EF4-FFF2-40B4-BE49-F238E27FC236}">
-                <a16:creationId xmlns:a16="http://schemas.microsoft.com/office/drawing/2014/main" id="{8D755DFB-76BD-414B-8898-51A0BA07F670}"/>
-              </a:ext>
-            </a:extLst>
-          </p:cNvPr>
-          <p:cNvSpPr/>
-          <p:nvPr/>
-        </p:nvSpPr>
-        <p:spPr>
-          <a:xfrm flipV="1">
-            <a:off x="5486399" y="2834640"/>
-            <a:ext cx="0" cy="457199"/>
-          </a:xfrm>
-          <a:prstGeom prst="line">
-            <a:avLst/>
-          </a:prstGeom>
-          <a:noFill/>
-          <a:ln w="36720">
-            <a:solidFill>
-              <a:srgbClr val="000000"/>
-            </a:solidFill>
-            <a:prstDash val="solid"/>
-          </a:ln>
-        </p:spPr>
-        <p:txBody>
-          <a:bodyPr vert="horz" wrap="none" lIns="90000" tIns="45000" rIns="90000" bIns="45000" anchor="ctr" anchorCtr="0" compatLnSpc="0"/>
-          <a:lstStyle/>
-          <a:p>
-            <a:pPr marL="0" marR="0" lvl="0" indent="0" rtl="0" hangingPunct="0">
-              <a:lnSpc>
-                <a:spcPct val="100000"/>
-              </a:lnSpc>
-              <a:spcBef>
-                <a:spcPts val="0"/>
-              </a:spcBef>
-              <a:spcAft>
-                <a:spcPts val="0"/>
-              </a:spcAft>
-              <a:buNone/>
-              <a:tabLst/>
-            </a:pPr>
-            <a:endParaRPr lang="en-US" sz="1800" b="0" i="0" u="none" strike="noStrike" kern="1200" cap="none">
-              <a:ln>
-                <a:noFill/>
-              </a:ln>
-              <a:latin typeface="Liberation Sans" pitchFamily="18"/>
-              <a:ea typeface="Noto Sans CJK SC Regular" pitchFamily="2"/>
-              <a:cs typeface="FreeSans" pitchFamily="2"/>
-            </a:endParaRPr>
-          </a:p>
-        </p:txBody>
-      </p:sp>
-      <p:sp>
-        <p:nvSpPr>
-          <p:cNvPr id="6" name="Textfeld 5">
-            <a:extLst>
-              <a:ext uri="{FF2B5EF4-FFF2-40B4-BE49-F238E27FC236}">
-                <a16:creationId xmlns:a16="http://schemas.microsoft.com/office/drawing/2014/main" id="{9AA9DF69-B444-481C-BE8F-A210B98047E7}"/>
-              </a:ext>
-            </a:extLst>
-          </p:cNvPr>
-          <p:cNvSpPr txBox="1"/>
-          <p:nvPr/>
-        </p:nvSpPr>
-        <p:spPr>
-          <a:xfrm>
-            <a:off x="5394960" y="2792880"/>
-            <a:ext cx="914400" cy="293040"/>
-          </a:xfrm>
-          <a:prstGeom prst="rect">
-            <a:avLst/>
-          </a:prstGeom>
-          <a:noFill/>
-          <a:ln>
-            <a:noFill/>
-          </a:ln>
-        </p:spPr>
-        <p:txBody>
-          <a:bodyPr vert="horz" wrap="none" lIns="90000" tIns="45000" rIns="90000" bIns="45000" anchorCtr="0" compatLnSpc="0">
-            <a:spAutoFit/>
-          </a:bodyPr>
-          <a:lstStyle/>
-          <a:p>
-            <a:pPr marL="0" marR="0" lvl="0" indent="0" rtl="0" hangingPunct="0">
-              <a:lnSpc>
-                <a:spcPct val="100000"/>
-              </a:lnSpc>
-              <a:spcBef>
-                <a:spcPts val="0"/>
-              </a:spcBef>
-              <a:spcAft>
-                <a:spcPts val="0"/>
-              </a:spcAft>
-              <a:buNone/>
-              <a:tabLst/>
-              <a:defRPr sz="1600">
-                <a:solidFill>
-                  <a:srgbClr val="000099"/>
-                </a:solidFill>
-                <a:latin typeface="Ubuntu Mono" pitchFamily="1"/>
-              </a:defRPr>
-            </a:pPr>
-            <a:r>
-              <a:rPr lang="en-US" sz="1600" b="0" i="0" u="none" strike="noStrike" kern="1200" cap="none">
-                <a:ln>
-                  <a:noFill/>
-                </a:ln>
-                <a:solidFill>
-                  <a:srgbClr val="000099"/>
-                </a:solidFill>
-                <a:latin typeface="Ubuntu Mono" pitchFamily="17"/>
-                <a:ea typeface="Noto Sans CJK SC Regular" pitchFamily="2"/>
-                <a:cs typeface="FreeSans" pitchFamily="2"/>
-              </a:rPr>
-              <a:t>‘rbf’</a:t>
-            </a:r>
+              <a:rPr lang="de-CH" dirty="0" err="1"/>
+              <a:t>Pre-processing</a:t>
+            </a:r>
+            <a:r>
+              <a:rPr lang="de-CH" dirty="0"/>
+              <a:t> (2): </a:t>
+            </a:r>
+            <a:r>
+              <a:rPr lang="de-CH" dirty="0" err="1"/>
+              <a:t>Trim</a:t>
+            </a:r>
+            <a:endParaRPr lang="en-US" dirty="0"/>
           </a:p>
         </p:txBody>
       </p:sp>
       <p:pic>
         <p:nvPicPr>
-          <p:cNvPr id="10" name="Grafik 9">
-            <a:extLst>
-              <a:ext uri="{FF2B5EF4-FFF2-40B4-BE49-F238E27FC236}">
-                <a16:creationId xmlns:a16="http://schemas.microsoft.com/office/drawing/2014/main" id="{6B5369EF-0B39-42CA-8BE8-74C3268957CE}"/>
+          <p:cNvPr id="4" name="Grafik 3">
+            <a:extLst>
+              <a:ext uri="{FF2B5EF4-FFF2-40B4-BE49-F238E27FC236}">
+                <a16:creationId xmlns:a16="http://schemas.microsoft.com/office/drawing/2014/main" id="{ABBE49DA-68DA-41AB-A27A-1F1D66C45B20}"/>
               </a:ext>
             </a:extLst>
           </p:cNvPr>
@@ -6246,21 +7162,15 @@
           <p:nvPr/>
         </p:nvPicPr>
         <p:blipFill>
-          <a:blip r:embed="rId3">
-            <a:extLst>
-              <a:ext uri="{28A0092B-C50C-407E-A947-70E740481C1C}">
-                <a14:useLocalDpi xmlns:a14="http://schemas.microsoft.com/office/drawing/2010/main" val="0"/>
-              </a:ext>
-            </a:extLst>
-          </a:blip>
+          <a:blip r:embed="rId3"/>
           <a:stretch>
             <a:fillRect/>
           </a:stretch>
         </p:blipFill>
         <p:spPr>
           <a:xfrm>
-            <a:off x="2113733" y="1756725"/>
-            <a:ext cx="5852172" cy="4389129"/>
+            <a:off x="236053" y="2278855"/>
+            <a:ext cx="9608517" cy="3001964"/>
           </a:xfrm>
           <a:prstGeom prst="rect">
             <a:avLst/>
@@ -6268,6 +7178,11 @@
         </p:spPr>
       </p:pic>
     </p:spTree>
+    <p:extLst>
+      <p:ext uri="{BB962C8B-B14F-4D97-AF65-F5344CB8AC3E}">
+        <p14:creationId xmlns:p14="http://schemas.microsoft.com/office/powerpoint/2010/main" val="2894691343"/>
+      </p:ext>
+    </p:extLst>
   </p:cSld>
   <p:clrMapOvr>
     <a:masterClrMapping/>
@@ -6297,7 +7212,7 @@
           <p:cNvPr id="2" name="Titel 1">
             <a:extLst>
               <a:ext uri="{FF2B5EF4-FFF2-40B4-BE49-F238E27FC236}">
-                <a16:creationId xmlns:a16="http://schemas.microsoft.com/office/drawing/2014/main" id="{8B58E140-2411-4B22-81A5-C1282C6EAAD2}"/>
+                <a16:creationId xmlns:a16="http://schemas.microsoft.com/office/drawing/2014/main" id="{881A966C-72E2-435F-8C88-99AF36E1CD12}"/>
               </a:ext>
             </a:extLst>
           </p:cNvPr>
@@ -6315,196 +7230,246 @@
           <a:p>
             <a:pPr lvl="0"/>
             <a:r>
-              <a:rPr lang="en-US" dirty="0"/>
-              <a:t>Conclusions</a:t>
-            </a:r>
-          </a:p>
-        </p:txBody>
-      </p:sp>
-      <p:sp>
-        <p:nvSpPr>
-          <p:cNvPr id="3" name="Textplatzhalter 2">
-            <a:extLst>
-              <a:ext uri="{FF2B5EF4-FFF2-40B4-BE49-F238E27FC236}">
-                <a16:creationId xmlns:a16="http://schemas.microsoft.com/office/drawing/2014/main" id="{531C0352-031A-40FB-929B-804C92BCADB7}"/>
-              </a:ext>
-            </a:extLst>
-          </p:cNvPr>
-          <p:cNvSpPr txBox="1">
-            <a:spLocks noGrp="1"/>
-          </p:cNvSpPr>
-          <p:nvPr>
-            <p:ph type="body" idx="4294967295"/>
-          </p:nvPr>
-        </p:nvSpPr>
+              <a:rPr lang="de-CH" dirty="0" err="1"/>
+              <a:t>Pre-processing</a:t>
+            </a:r>
+            <a:r>
+              <a:rPr lang="de-CH" dirty="0"/>
+              <a:t> (3): </a:t>
+            </a:r>
+            <a:r>
+              <a:rPr lang="de-CH" dirty="0" err="1"/>
+              <a:t>Normalize</a:t>
+            </a:r>
+            <a:endParaRPr lang="en-US" dirty="0"/>
+          </a:p>
+        </p:txBody>
+      </p:sp>
+      <p:pic>
+        <p:nvPicPr>
+          <p:cNvPr id="4" name="Grafik 3">
+            <a:extLst>
+              <a:ext uri="{FF2B5EF4-FFF2-40B4-BE49-F238E27FC236}">
+                <a16:creationId xmlns:a16="http://schemas.microsoft.com/office/drawing/2014/main" id="{5B2026C0-260A-45B3-8BCE-5171C75F396C}"/>
+              </a:ext>
+            </a:extLst>
+          </p:cNvPr>
+          <p:cNvPicPr>
+            <a:picLocks noChangeAspect="1"/>
+          </p:cNvPicPr>
+          <p:nvPr/>
+        </p:nvPicPr>
+        <p:blipFill>
+          <a:blip r:embed="rId3"/>
+          <a:stretch>
+            <a:fillRect/>
+          </a:stretch>
+        </p:blipFill>
         <p:spPr>
           <a:xfrm>
-            <a:off x="446846" y="1769040"/>
-            <a:ext cx="9282939" cy="4384440"/>
+            <a:off x="643423" y="1836737"/>
+            <a:ext cx="9078426" cy="4249738"/>
           </a:xfrm>
+          <a:prstGeom prst="rect">
+            <a:avLst/>
+          </a:prstGeom>
         </p:spPr>
-        <p:txBody>
-          <a:bodyPr/>
-          <a:lstStyle/>
-          <a:p>
-            <a:pPr marL="457200" indent="-457200">
-              <a:buFontTx/>
-              <a:buChar char="-"/>
-            </a:pPr>
-            <a:r>
-              <a:rPr lang="de-CH" dirty="0"/>
-              <a:t>Test </a:t>
-            </a:r>
-            <a:r>
-              <a:rPr lang="de-CH" dirty="0" err="1"/>
-              <a:t>accuracy</a:t>
-            </a:r>
-            <a:r>
-              <a:rPr lang="de-CH" dirty="0"/>
-              <a:t> </a:t>
-            </a:r>
-            <a:r>
-              <a:rPr lang="de-CH" dirty="0" err="1"/>
-              <a:t>of</a:t>
-            </a:r>
-            <a:r>
-              <a:rPr lang="de-CH" dirty="0"/>
-              <a:t> 97.4% </a:t>
-            </a:r>
-            <a:r>
-              <a:rPr lang="de-CH" dirty="0" err="1"/>
-              <a:t>with</a:t>
-            </a:r>
-            <a:r>
-              <a:rPr lang="de-CH" dirty="0"/>
-              <a:t> </a:t>
-            </a:r>
-            <a:r>
-              <a:rPr lang="de-CH" dirty="0" err="1"/>
-              <a:t>vanilla</a:t>
-            </a:r>
-            <a:r>
-              <a:rPr lang="de-CH" dirty="0"/>
-              <a:t> MLP</a:t>
-            </a:r>
-          </a:p>
-          <a:p>
-            <a:pPr marL="1143000" lvl="1" indent="-457200">
-              <a:buFontTx/>
-              <a:buChar char="-"/>
-            </a:pPr>
-            <a:r>
-              <a:rPr lang="de-CH" dirty="0"/>
-              <a:t>vs. 98.5% </a:t>
-            </a:r>
-            <a:r>
-              <a:rPr lang="de-CH" dirty="0" err="1"/>
-              <a:t>by</a:t>
-            </a:r>
-            <a:r>
-              <a:rPr lang="de-CH" dirty="0"/>
-              <a:t> SVM</a:t>
-            </a:r>
-          </a:p>
-          <a:p>
-            <a:pPr marL="457200" indent="-457200">
-              <a:buFontTx/>
-              <a:buChar char="-"/>
-            </a:pPr>
-            <a:r>
-              <a:rPr lang="de-CH" dirty="0"/>
-              <a:t>Error rate </a:t>
-            </a:r>
-            <a:r>
-              <a:rPr lang="de-CH" dirty="0" err="1"/>
-              <a:t>decreases</a:t>
-            </a:r>
-            <a:r>
-              <a:rPr lang="de-CH" dirty="0"/>
-              <a:t> </a:t>
-            </a:r>
-            <a:r>
-              <a:rPr lang="de-CH" dirty="0" err="1"/>
-              <a:t>with</a:t>
-            </a:r>
-            <a:r>
-              <a:rPr lang="de-CH" dirty="0"/>
-              <a:t> </a:t>
-            </a:r>
-            <a:r>
-              <a:rPr lang="de-CH" dirty="0" err="1"/>
-              <a:t>number</a:t>
-            </a:r>
-            <a:r>
-              <a:rPr lang="de-CH" dirty="0"/>
-              <a:t> </a:t>
-            </a:r>
-            <a:r>
-              <a:rPr lang="de-CH" dirty="0" err="1"/>
-              <a:t>of</a:t>
-            </a:r>
-            <a:r>
-              <a:rPr lang="de-CH" dirty="0"/>
-              <a:t> </a:t>
-            </a:r>
-            <a:r>
-              <a:rPr lang="de-CH" dirty="0" err="1"/>
-              <a:t>epochs</a:t>
-            </a:r>
-            <a:endParaRPr lang="de-CH" dirty="0"/>
-          </a:p>
-          <a:p>
-            <a:pPr marL="457200" indent="-457200">
-              <a:buFontTx/>
-              <a:buChar char="-"/>
-            </a:pPr>
-            <a:r>
-              <a:rPr lang="de-CH" dirty="0"/>
-              <a:t>Optimal </a:t>
-            </a:r>
-            <a:r>
-              <a:rPr lang="de-CH" dirty="0" err="1"/>
-              <a:t>hyperparameters</a:t>
-            </a:r>
-            <a:r>
-              <a:rPr lang="de-CH" dirty="0"/>
-              <a:t> </a:t>
-            </a:r>
-            <a:r>
-              <a:rPr lang="de-CH" dirty="0" err="1"/>
-              <a:t>difficult</a:t>
-            </a:r>
-            <a:r>
-              <a:rPr lang="de-CH" dirty="0"/>
-              <a:t> </a:t>
-            </a:r>
-            <a:r>
-              <a:rPr lang="de-CH" dirty="0" err="1"/>
-              <a:t>to</a:t>
-            </a:r>
-            <a:r>
-              <a:rPr lang="de-CH" dirty="0"/>
-              <a:t> </a:t>
-            </a:r>
-            <a:r>
-              <a:rPr lang="de-CH" dirty="0" err="1"/>
-              <a:t>determine</a:t>
-            </a:r>
-            <a:endParaRPr lang="de-CH" dirty="0"/>
-          </a:p>
-          <a:p>
-            <a:pPr marL="457200" indent="-457200">
-              <a:buFontTx/>
-              <a:buChar char="-"/>
-            </a:pPr>
-            <a:endParaRPr lang="en-US" dirty="0"/>
-          </a:p>
-        </p:txBody>
-      </p:sp>
+      </p:pic>
     </p:spTree>
     <p:extLst>
       <p:ext uri="{BB962C8B-B14F-4D97-AF65-F5344CB8AC3E}">
-        <p14:creationId xmlns:p14="http://schemas.microsoft.com/office/powerpoint/2010/main" val="3088853821"/>
+        <p14:creationId xmlns:p14="http://schemas.microsoft.com/office/powerpoint/2010/main" val="999952474"/>
+      </p:ext>
+    </p:extLst>
+  </p:cSld>
+  <p:clrMapOvr>
+    <a:masterClrMapping/>
+  </p:clrMapOvr>
+</p:sld>
+</file>
+
+<file path=ppt/slides/slide8.xml><?xml version="1.0" encoding="utf-8"?>
+<p:sld xmlns:a="http://schemas.openxmlformats.org/drawingml/2006/main" xmlns:r="http://schemas.openxmlformats.org/officeDocument/2006/relationships" xmlns:p="http://schemas.openxmlformats.org/presentationml/2006/main">
+  <p:cSld>
+    <p:spTree>
+      <p:nvGrpSpPr>
+        <p:cNvPr id="1" name=""/>
+        <p:cNvGrpSpPr/>
+        <p:nvPr/>
+      </p:nvGrpSpPr>
+      <p:grpSpPr>
+        <a:xfrm>
+          <a:off x="0" y="0"/>
+          <a:ext cx="0" cy="0"/>
+          <a:chOff x="0" y="0"/>
+          <a:chExt cx="0" cy="0"/>
+        </a:xfrm>
+      </p:grpSpPr>
+      <p:sp>
+        <p:nvSpPr>
+          <p:cNvPr id="2" name="Titel 1">
+            <a:extLst>
+              <a:ext uri="{FF2B5EF4-FFF2-40B4-BE49-F238E27FC236}">
+                <a16:creationId xmlns:a16="http://schemas.microsoft.com/office/drawing/2014/main" id="{881A966C-72E2-435F-8C88-99AF36E1CD12}"/>
+              </a:ext>
+            </a:extLst>
+          </p:cNvPr>
+          <p:cNvSpPr txBox="1">
+            <a:spLocks noGrp="1"/>
+          </p:cNvSpPr>
+          <p:nvPr>
+            <p:ph type="title" idx="4294967295"/>
+          </p:nvPr>
+        </p:nvSpPr>
+        <p:spPr>
+          <a:xfrm>
+            <a:off x="503999" y="301320"/>
+            <a:ext cx="9368664" cy="1262160"/>
+          </a:xfrm>
+        </p:spPr>
+        <p:txBody>
+          <a:bodyPr/>
+          <a:lstStyle/>
+          <a:p>
+            <a:r>
+              <a:rPr lang="de-CH" dirty="0" err="1"/>
+              <a:t>Pre-processing</a:t>
+            </a:r>
+            <a:r>
+              <a:rPr lang="de-CH" dirty="0"/>
+              <a:t> (4): Feature </a:t>
+            </a:r>
+            <a:r>
+              <a:rPr lang="de-CH" dirty="0" err="1"/>
+              <a:t>selection</a:t>
+            </a:r>
+            <a:endParaRPr lang="en-US" dirty="0"/>
+          </a:p>
+        </p:txBody>
+      </p:sp>
+      <p:pic>
+        <p:nvPicPr>
+          <p:cNvPr id="4" name="Grafik 3">
+            <a:extLst>
+              <a:ext uri="{FF2B5EF4-FFF2-40B4-BE49-F238E27FC236}">
+                <a16:creationId xmlns:a16="http://schemas.microsoft.com/office/drawing/2014/main" id="{291C9D22-092E-4095-B40A-D64F53580B36}"/>
+              </a:ext>
+            </a:extLst>
+          </p:cNvPr>
+          <p:cNvPicPr>
+            <a:picLocks noChangeAspect="1"/>
+          </p:cNvPicPr>
+          <p:nvPr/>
+        </p:nvPicPr>
+        <p:blipFill>
+          <a:blip r:embed="rId3"/>
+          <a:stretch>
+            <a:fillRect/>
+          </a:stretch>
+        </p:blipFill>
+        <p:spPr>
+          <a:xfrm>
+            <a:off x="1016381" y="1563480"/>
+            <a:ext cx="8343900" cy="5781675"/>
+          </a:xfrm>
+          <a:prstGeom prst="rect">
+            <a:avLst/>
+          </a:prstGeom>
+        </p:spPr>
+      </p:pic>
+    </p:spTree>
+    <p:extLst>
+      <p:ext uri="{BB962C8B-B14F-4D97-AF65-F5344CB8AC3E}">
+        <p14:creationId xmlns:p14="http://schemas.microsoft.com/office/powerpoint/2010/main" val="2638316598"/>
+      </p:ext>
+    </p:extLst>
+  </p:cSld>
+  <p:clrMapOvr>
+    <a:masterClrMapping/>
+  </p:clrMapOvr>
+</p:sld>
+</file>
+
+<file path=ppt/slides/slide9.xml><?xml version="1.0" encoding="utf-8"?>
+<p:sld xmlns:a="http://schemas.openxmlformats.org/drawingml/2006/main" xmlns:r="http://schemas.openxmlformats.org/officeDocument/2006/relationships" xmlns:p="http://schemas.openxmlformats.org/presentationml/2006/main">
+  <p:cSld>
+    <p:spTree>
+      <p:nvGrpSpPr>
+        <p:cNvPr id="1" name=""/>
+        <p:cNvGrpSpPr/>
+        <p:nvPr/>
+      </p:nvGrpSpPr>
+      <p:grpSpPr>
+        <a:xfrm>
+          <a:off x="0" y="0"/>
+          <a:ext cx="0" cy="0"/>
+          <a:chOff x="0" y="0"/>
+          <a:chExt cx="0" cy="0"/>
+        </a:xfrm>
+      </p:grpSpPr>
+      <p:sp>
+        <p:nvSpPr>
+          <p:cNvPr id="2" name="Titel 1">
+            <a:extLst>
+              <a:ext uri="{FF2B5EF4-FFF2-40B4-BE49-F238E27FC236}">
+                <a16:creationId xmlns:a16="http://schemas.microsoft.com/office/drawing/2014/main" id="{881A966C-72E2-435F-8C88-99AF36E1CD12}"/>
+              </a:ext>
+            </a:extLst>
+          </p:cNvPr>
+          <p:cNvSpPr txBox="1">
+            <a:spLocks noGrp="1"/>
+          </p:cNvSpPr>
+          <p:nvPr>
+            <p:ph type="title" idx="4294967295"/>
+          </p:nvPr>
+        </p:nvSpPr>
+        <p:spPr/>
+        <p:txBody>
+          <a:bodyPr/>
+          <a:lstStyle/>
+          <a:p>
+            <a:pPr lvl="0"/>
+            <a:r>
+              <a:rPr lang="en-US" dirty="0"/>
+              <a:t>DTW</a:t>
+            </a:r>
+          </a:p>
+        </p:txBody>
+      </p:sp>
+      <p:pic>
+        <p:nvPicPr>
+          <p:cNvPr id="4" name="Grafik 3">
+            <a:extLst>
+              <a:ext uri="{FF2B5EF4-FFF2-40B4-BE49-F238E27FC236}">
+                <a16:creationId xmlns:a16="http://schemas.microsoft.com/office/drawing/2014/main" id="{50A4D6D9-6E56-47D9-85A9-FC304F52DCF1}"/>
+              </a:ext>
+            </a:extLst>
+          </p:cNvPr>
+          <p:cNvPicPr>
+            <a:picLocks noChangeAspect="1"/>
+          </p:cNvPicPr>
+          <p:nvPr/>
+        </p:nvPicPr>
+        <p:blipFill>
+          <a:blip r:embed="rId3"/>
+          <a:stretch>
+            <a:fillRect/>
+          </a:stretch>
+        </p:blipFill>
+        <p:spPr>
+          <a:xfrm>
+            <a:off x="1920381" y="1400480"/>
+            <a:ext cx="6238875" cy="5857875"/>
+          </a:xfrm>
+          <a:prstGeom prst="rect">
+            <a:avLst/>
+          </a:prstGeom>
+        </p:spPr>
+      </p:pic>
+    </p:spTree>
+    <p:extLst>
+      <p:ext uri="{BB962C8B-B14F-4D97-AF65-F5344CB8AC3E}">
+        <p14:creationId xmlns:p14="http://schemas.microsoft.com/office/powerpoint/2010/main" val="2991832157"/>
       </p:ext>
     </p:extLst>
   </p:cSld>
